--- a/sources/story_sketch.pptx
+++ b/sources/story_sketch.pptx
@@ -3781,10 +3781,10 @@
       </p:grpSpPr>
       <p:grpSp>
         <p:nvGrpSpPr>
-          <p:cNvPr id="7" name="Group 6">
+          <p:cNvPr id="112" name="Group 111">
             <a:extLst>
               <a:ext uri="{FF2B5EF4-FFF2-40B4-BE49-F238E27FC236}">
-                <a16:creationId xmlns:a16="http://schemas.microsoft.com/office/drawing/2014/main" id="{9F3C8192-9D00-2067-319E-DF72B4B5F29B}"/>
+                <a16:creationId xmlns:a16="http://schemas.microsoft.com/office/drawing/2014/main" id="{F3ABCA01-A1C6-2237-08D7-4B20AECE3F1D}"/>
               </a:ext>
             </a:extLst>
           </p:cNvPr>
@@ -3793,54 +3793,738 @@
         </p:nvGrpSpPr>
         <p:grpSpPr>
           <a:xfrm>
-            <a:off x="5816500" y="1478072"/>
-            <a:ext cx="558999" cy="873504"/>
-            <a:chOff x="5816500" y="1478072"/>
-            <a:chExt cx="558999" cy="873504"/>
+            <a:off x="750044" y="307412"/>
+            <a:ext cx="11146237" cy="5858185"/>
+            <a:chOff x="750044" y="307412"/>
+            <a:chExt cx="11146237" cy="5858185"/>
           </a:xfrm>
         </p:grpSpPr>
-        <p:pic>
-          <p:nvPicPr>
-            <p:cNvPr id="5" name="Graphic 4" descr="Male profile with solid fill">
+        <p:grpSp>
+          <p:nvGrpSpPr>
+            <p:cNvPr id="7" name="Group 6">
               <a:extLst>
                 <a:ext uri="{FF2B5EF4-FFF2-40B4-BE49-F238E27FC236}">
-                  <a16:creationId xmlns:a16="http://schemas.microsoft.com/office/drawing/2014/main" id="{D641DA77-EB23-858F-669B-EA42B25E9B20}"/>
+                  <a16:creationId xmlns:a16="http://schemas.microsoft.com/office/drawing/2014/main" id="{9F3C8192-9D00-2067-319E-DF72B4B5F29B}"/>
                 </a:ext>
               </a:extLst>
             </p:cNvPr>
-            <p:cNvPicPr>
-              <a:picLocks noChangeAspect="1"/>
-            </p:cNvPicPr>
+            <p:cNvGrpSpPr/>
             <p:nvPr/>
-          </p:nvPicPr>
-          <p:blipFill>
-            <a:blip r:embed="rId3">
+          </p:nvGrpSpPr>
+          <p:grpSpPr>
+            <a:xfrm>
+              <a:off x="5816500" y="1478072"/>
+              <a:ext cx="558999" cy="873504"/>
+              <a:chOff x="5816500" y="1478072"/>
+              <a:chExt cx="558999" cy="873504"/>
+            </a:xfrm>
+          </p:grpSpPr>
+          <p:pic>
+            <p:nvPicPr>
+              <p:cNvPr id="5" name="Graphic 4" descr="Male profile with solid fill">
+                <a:extLst>
+                  <a:ext uri="{FF2B5EF4-FFF2-40B4-BE49-F238E27FC236}">
+                    <a16:creationId xmlns:a16="http://schemas.microsoft.com/office/drawing/2014/main" id="{D641DA77-EB23-858F-669B-EA42B25E9B20}"/>
+                  </a:ext>
+                </a:extLst>
+              </p:cNvPr>
+              <p:cNvPicPr>
+                <a:picLocks noChangeAspect="1"/>
+              </p:cNvPicPr>
+              <p:nvPr/>
+            </p:nvPicPr>
+            <p:blipFill>
+              <a:blip r:embed="rId3">
+                <a:extLst>
+                  <a:ext uri="{96DAC541-7B7A-43D3-8B79-37D633B846F1}">
+                    <asvg:svgBlip xmlns:asvg="http://schemas.microsoft.com/office/drawing/2016/SVG/main" r:embed="rId4"/>
+                  </a:ext>
+                </a:extLst>
+              </a:blip>
+              <a:stretch>
+                <a:fillRect/>
+              </a:stretch>
+            </p:blipFill>
+            <p:spPr>
+              <a:xfrm>
+                <a:off x="5843914" y="1478072"/>
+                <a:ext cx="504172" cy="504172"/>
+              </a:xfrm>
+              <a:prstGeom prst="rect">
+                <a:avLst/>
+              </a:prstGeom>
+            </p:spPr>
+          </p:pic>
+          <p:sp>
+            <p:nvSpPr>
+              <p:cNvPr id="6" name="TextBox 5">
+                <a:extLst>
+                  <a:ext uri="{FF2B5EF4-FFF2-40B4-BE49-F238E27FC236}">
+                    <a16:creationId xmlns:a16="http://schemas.microsoft.com/office/drawing/2014/main" id="{CE8550EA-3E03-0631-87E9-B53A80F8A8FB}"/>
+                  </a:ext>
+                </a:extLst>
+              </p:cNvPr>
+              <p:cNvSpPr txBox="1"/>
+              <p:nvPr/>
+            </p:nvSpPr>
+            <p:spPr>
+              <a:xfrm>
+                <a:off x="5816500" y="1982244"/>
+                <a:ext cx="558999" cy="369332"/>
+              </a:xfrm>
+              <a:prstGeom prst="rect">
+                <a:avLst/>
+              </a:prstGeom>
+              <a:noFill/>
+            </p:spPr>
+            <p:txBody>
+              <a:bodyPr wrap="none" rtlCol="0">
+                <a:spAutoFit/>
+              </a:bodyPr>
+              <a:lstStyle/>
+              <a:p>
+                <a:pPr algn="ctr"/>
+                <a:r>
+                  <a:rPr lang="en-DE" dirty="0"/>
+                  <a:t>Lars</a:t>
+                </a:r>
+              </a:p>
+            </p:txBody>
+          </p:sp>
+        </p:grpSp>
+        <p:grpSp>
+          <p:nvGrpSpPr>
+            <p:cNvPr id="12" name="Group 11">
               <a:extLst>
-                <a:ext uri="{96DAC541-7B7A-43D3-8B79-37D633B846F1}">
-                  <asvg:svgBlip xmlns:asvg="http://schemas.microsoft.com/office/drawing/2016/SVG/main" r:embed="rId4"/>
+                <a:ext uri="{FF2B5EF4-FFF2-40B4-BE49-F238E27FC236}">
+                  <a16:creationId xmlns:a16="http://schemas.microsoft.com/office/drawing/2014/main" id="{F6B806B2-23AD-DF4C-F2CC-C4E990624AB7}"/>
                 </a:ext>
               </a:extLst>
-            </a:blip>
-            <a:stretch>
-              <a:fillRect/>
-            </a:stretch>
-          </p:blipFill>
+            </p:cNvPr>
+            <p:cNvGrpSpPr/>
+            <p:nvPr/>
+          </p:nvGrpSpPr>
+          <p:grpSpPr>
+            <a:xfrm>
+              <a:off x="7192204" y="2935020"/>
+              <a:ext cx="1556003" cy="926741"/>
+              <a:chOff x="3785125" y="2843407"/>
+              <a:chExt cx="1556003" cy="926741"/>
+            </a:xfrm>
+          </p:grpSpPr>
+          <p:pic>
+            <p:nvPicPr>
+              <p:cNvPr id="9" name="Graphic 8" descr="Bank with solid fill">
+                <a:extLst>
+                  <a:ext uri="{FF2B5EF4-FFF2-40B4-BE49-F238E27FC236}">
+                    <a16:creationId xmlns:a16="http://schemas.microsoft.com/office/drawing/2014/main" id="{2D20CE99-03B5-2242-A248-C02CBC4B5754}"/>
+                  </a:ext>
+                </a:extLst>
+              </p:cNvPr>
+              <p:cNvPicPr>
+                <a:picLocks noChangeAspect="1"/>
+              </p:cNvPicPr>
+              <p:nvPr/>
+            </p:nvPicPr>
+            <p:blipFill>
+              <a:blip r:embed="rId5">
+                <a:extLst>
+                  <a:ext uri="{96DAC541-7B7A-43D3-8B79-37D633B846F1}">
+                    <asvg:svgBlip xmlns:asvg="http://schemas.microsoft.com/office/drawing/2016/SVG/main" r:embed="rId6"/>
+                  </a:ext>
+                </a:extLst>
+              </a:blip>
+              <a:stretch>
+                <a:fillRect/>
+              </a:stretch>
+            </p:blipFill>
+            <p:spPr>
+              <a:xfrm>
+                <a:off x="4298515" y="2843407"/>
+                <a:ext cx="529225" cy="529225"/>
+              </a:xfrm>
+              <a:prstGeom prst="rect">
+                <a:avLst/>
+              </a:prstGeom>
+            </p:spPr>
+          </p:pic>
+          <p:sp>
+            <p:nvSpPr>
+              <p:cNvPr id="11" name="TextBox 10">
+                <a:extLst>
+                  <a:ext uri="{FF2B5EF4-FFF2-40B4-BE49-F238E27FC236}">
+                    <a16:creationId xmlns:a16="http://schemas.microsoft.com/office/drawing/2014/main" id="{8A53A378-54EF-EEE4-D46B-570B86576B9D}"/>
+                  </a:ext>
+                </a:extLst>
+              </p:cNvPr>
+              <p:cNvSpPr txBox="1"/>
+              <p:nvPr/>
+            </p:nvSpPr>
+            <p:spPr>
+              <a:xfrm>
+                <a:off x="3785125" y="3400816"/>
+                <a:ext cx="1556003" cy="369332"/>
+              </a:xfrm>
+              <a:prstGeom prst="rect">
+                <a:avLst/>
+              </a:prstGeom>
+              <a:noFill/>
+            </p:spPr>
+            <p:txBody>
+              <a:bodyPr wrap="none" rtlCol="0">
+                <a:spAutoFit/>
+              </a:bodyPr>
+              <a:lstStyle/>
+              <a:p>
+                <a:pPr algn="ctr"/>
+                <a:r>
+                  <a:rPr lang="en-DE" dirty="0"/>
+                  <a:t>Bank Accounts</a:t>
+                </a:r>
+              </a:p>
+            </p:txBody>
+          </p:sp>
+        </p:grpSp>
+        <p:grpSp>
+          <p:nvGrpSpPr>
+            <p:cNvPr id="24" name="Group 23">
+              <a:extLst>
+                <a:ext uri="{FF2B5EF4-FFF2-40B4-BE49-F238E27FC236}">
+                  <a16:creationId xmlns:a16="http://schemas.microsoft.com/office/drawing/2014/main" id="{B2414DF7-0FC7-A0B2-F929-3285A0D7EBB1}"/>
+                </a:ext>
+              </a:extLst>
+            </p:cNvPr>
+            <p:cNvGrpSpPr/>
+            <p:nvPr/>
+          </p:nvGrpSpPr>
+          <p:grpSpPr>
+            <a:xfrm>
+              <a:off x="6348086" y="1730158"/>
+              <a:ext cx="1622121" cy="1204862"/>
+              <a:chOff x="6348086" y="1730158"/>
+              <a:chExt cx="1622121" cy="1204862"/>
+            </a:xfrm>
+          </p:grpSpPr>
+          <p:cxnSp>
+            <p:nvCxnSpPr>
+              <p:cNvPr id="14" name="Straight Arrow Connector 13">
+                <a:extLst>
+                  <a:ext uri="{FF2B5EF4-FFF2-40B4-BE49-F238E27FC236}">
+                    <a16:creationId xmlns:a16="http://schemas.microsoft.com/office/drawing/2014/main" id="{4612749E-2FB6-2D36-CB21-D694B0501CDE}"/>
+                  </a:ext>
+                </a:extLst>
+              </p:cNvPr>
+              <p:cNvCxnSpPr>
+                <a:cxnSpLocks/>
+                <a:stCxn id="5" idx="3"/>
+                <a:endCxn id="9" idx="0"/>
+              </p:cNvCxnSpPr>
+              <p:nvPr/>
+            </p:nvCxnSpPr>
+            <p:spPr>
+              <a:xfrm>
+                <a:off x="6348086" y="1730158"/>
+                <a:ext cx="1622121" cy="1204862"/>
+              </a:xfrm>
+              <a:prstGeom prst="straightConnector1">
+                <a:avLst/>
+              </a:prstGeom>
+              <a:ln>
+                <a:tailEnd type="triangle"/>
+              </a:ln>
+            </p:spPr>
+            <p:style>
+              <a:lnRef idx="1">
+                <a:schemeClr val="accent1"/>
+              </a:lnRef>
+              <a:fillRef idx="0">
+                <a:schemeClr val="accent1"/>
+              </a:fillRef>
+              <a:effectRef idx="0">
+                <a:schemeClr val="accent1"/>
+              </a:effectRef>
+              <a:fontRef idx="minor">
+                <a:schemeClr val="tx1"/>
+              </a:fontRef>
+            </p:style>
+          </p:cxnSp>
+          <p:sp>
+            <p:nvSpPr>
+              <p:cNvPr id="20" name="TextBox 19">
+                <a:extLst>
+                  <a:ext uri="{FF2B5EF4-FFF2-40B4-BE49-F238E27FC236}">
+                    <a16:creationId xmlns:a16="http://schemas.microsoft.com/office/drawing/2014/main" id="{45CFEDBA-1415-3B4A-E267-4E78676E37F0}"/>
+                  </a:ext>
+                </a:extLst>
+              </p:cNvPr>
+              <p:cNvSpPr txBox="1"/>
+              <p:nvPr/>
+            </p:nvSpPr>
+            <p:spPr>
+              <a:xfrm>
+                <a:off x="7079470" y="2010934"/>
+                <a:ext cx="571888" cy="307777"/>
+              </a:xfrm>
+              <a:prstGeom prst="rect">
+                <a:avLst/>
+              </a:prstGeom>
+              <a:noFill/>
+            </p:spPr>
+            <p:txBody>
+              <a:bodyPr wrap="none" rtlCol="0">
+                <a:spAutoFit/>
+              </a:bodyPr>
+              <a:lstStyle/>
+              <a:p>
+                <a:r>
+                  <a:rPr lang="en-DE" sz="1400" dirty="0">
+                    <a:solidFill>
+                      <a:srgbClr val="0070C0"/>
+                    </a:solidFill>
+                  </a:rPr>
+                  <a:t>owns</a:t>
+                </a:r>
+              </a:p>
+            </p:txBody>
+          </p:sp>
+        </p:grpSp>
+        <p:grpSp>
+          <p:nvGrpSpPr>
+            <p:cNvPr id="21" name="Group 20">
+              <a:extLst>
+                <a:ext uri="{FF2B5EF4-FFF2-40B4-BE49-F238E27FC236}">
+                  <a16:creationId xmlns:a16="http://schemas.microsoft.com/office/drawing/2014/main" id="{ED800F86-4477-7B17-99E8-98B1C034C411}"/>
+                </a:ext>
+              </a:extLst>
+            </p:cNvPr>
+            <p:cNvGrpSpPr/>
+            <p:nvPr/>
+          </p:nvGrpSpPr>
+          <p:grpSpPr>
+            <a:xfrm>
+              <a:off x="3415146" y="3831152"/>
+              <a:ext cx="1663725" cy="926741"/>
+              <a:chOff x="3731267" y="2843407"/>
+              <a:chExt cx="1663725" cy="926741"/>
+            </a:xfrm>
+          </p:grpSpPr>
+          <p:pic>
+            <p:nvPicPr>
+              <p:cNvPr id="22" name="Graphic 21" descr="Coins with solid fill">
+                <a:extLst>
+                  <a:ext uri="{FF2B5EF4-FFF2-40B4-BE49-F238E27FC236}">
+                    <a16:creationId xmlns:a16="http://schemas.microsoft.com/office/drawing/2014/main" id="{1BF1A37F-F043-D207-44DD-ABA1668B8502}"/>
+                  </a:ext>
+                </a:extLst>
+              </p:cNvPr>
+              <p:cNvPicPr>
+                <a:picLocks noChangeAspect="1"/>
+              </p:cNvPicPr>
+              <p:nvPr/>
+            </p:nvPicPr>
+            <p:blipFill>
+              <a:blip r:embed="rId7">
+                <a:extLst>
+                  <a:ext uri="{96DAC541-7B7A-43D3-8B79-37D633B846F1}">
+                    <asvg:svgBlip xmlns:asvg="http://schemas.microsoft.com/office/drawing/2016/SVG/main" r:embed="rId8"/>
+                  </a:ext>
+                </a:extLst>
+              </a:blip>
+              <a:srcRect/>
+              <a:stretch/>
+            </p:blipFill>
+            <p:spPr>
+              <a:xfrm>
+                <a:off x="4298515" y="2843407"/>
+                <a:ext cx="529225" cy="529225"/>
+              </a:xfrm>
+              <a:prstGeom prst="rect">
+                <a:avLst/>
+              </a:prstGeom>
+            </p:spPr>
+          </p:pic>
+          <p:sp>
+            <p:nvSpPr>
+              <p:cNvPr id="23" name="TextBox 22">
+                <a:extLst>
+                  <a:ext uri="{FF2B5EF4-FFF2-40B4-BE49-F238E27FC236}">
+                    <a16:creationId xmlns:a16="http://schemas.microsoft.com/office/drawing/2014/main" id="{F5A86A44-8E30-2F07-179F-C122A6E6157E}"/>
+                  </a:ext>
+                </a:extLst>
+              </p:cNvPr>
+              <p:cNvSpPr txBox="1"/>
+              <p:nvPr/>
+            </p:nvSpPr>
+            <p:spPr>
+              <a:xfrm>
+                <a:off x="3731267" y="3400816"/>
+                <a:ext cx="1663725" cy="369332"/>
+              </a:xfrm>
+              <a:prstGeom prst="rect">
+                <a:avLst/>
+              </a:prstGeom>
+              <a:noFill/>
+            </p:spPr>
+            <p:txBody>
+              <a:bodyPr wrap="none" rtlCol="0">
+                <a:spAutoFit/>
+              </a:bodyPr>
+              <a:lstStyle/>
+              <a:p>
+                <a:pPr algn="ctr"/>
+                <a:r>
+                  <a:rPr lang="en-DE" dirty="0"/>
+                  <a:t>Income Sources</a:t>
+                </a:r>
+              </a:p>
+            </p:txBody>
+          </p:sp>
+        </p:grpSp>
+        <p:grpSp>
+          <p:nvGrpSpPr>
+            <p:cNvPr id="25" name="Group 24">
+              <a:extLst>
+                <a:ext uri="{FF2B5EF4-FFF2-40B4-BE49-F238E27FC236}">
+                  <a16:creationId xmlns:a16="http://schemas.microsoft.com/office/drawing/2014/main" id="{759CD8C8-5BDE-5059-CE8C-62D2E6075911}"/>
+                </a:ext>
+              </a:extLst>
+            </p:cNvPr>
+            <p:cNvGrpSpPr/>
+            <p:nvPr/>
+          </p:nvGrpSpPr>
+          <p:grpSpPr>
+            <a:xfrm>
+              <a:off x="4247007" y="1730158"/>
+              <a:ext cx="1596907" cy="2100994"/>
+              <a:chOff x="7079468" y="1634125"/>
+              <a:chExt cx="1596907" cy="2100994"/>
+            </a:xfrm>
+          </p:grpSpPr>
+          <p:cxnSp>
+            <p:nvCxnSpPr>
+              <p:cNvPr id="26" name="Straight Arrow Connector 25">
+                <a:extLst>
+                  <a:ext uri="{FF2B5EF4-FFF2-40B4-BE49-F238E27FC236}">
+                    <a16:creationId xmlns:a16="http://schemas.microsoft.com/office/drawing/2014/main" id="{1C49F69F-C0AE-4193-DC77-ED971E744649}"/>
+                  </a:ext>
+                </a:extLst>
+              </p:cNvPr>
+              <p:cNvCxnSpPr>
+                <a:cxnSpLocks/>
+                <a:stCxn id="5" idx="1"/>
+                <a:endCxn id="22" idx="0"/>
+              </p:cNvCxnSpPr>
+              <p:nvPr/>
+            </p:nvCxnSpPr>
+            <p:spPr>
+              <a:xfrm flipH="1">
+                <a:off x="7079468" y="1634125"/>
+                <a:ext cx="1596907" cy="2100994"/>
+              </a:xfrm>
+              <a:prstGeom prst="straightConnector1">
+                <a:avLst/>
+              </a:prstGeom>
+              <a:ln>
+                <a:tailEnd type="triangle"/>
+              </a:ln>
+            </p:spPr>
+            <p:style>
+              <a:lnRef idx="1">
+                <a:schemeClr val="accent1"/>
+              </a:lnRef>
+              <a:fillRef idx="0">
+                <a:schemeClr val="accent1"/>
+              </a:fillRef>
+              <a:effectRef idx="0">
+                <a:schemeClr val="accent1"/>
+              </a:effectRef>
+              <a:fontRef idx="minor">
+                <a:schemeClr val="tx1"/>
+              </a:fontRef>
+            </p:style>
+          </p:cxnSp>
+          <p:sp>
+            <p:nvSpPr>
+              <p:cNvPr id="27" name="TextBox 26">
+                <a:extLst>
+                  <a:ext uri="{FF2B5EF4-FFF2-40B4-BE49-F238E27FC236}">
+                    <a16:creationId xmlns:a16="http://schemas.microsoft.com/office/drawing/2014/main" id="{31826EB2-FD9D-4941-D9C3-7E3045DBC3DB}"/>
+                  </a:ext>
+                </a:extLst>
+              </p:cNvPr>
+              <p:cNvSpPr txBox="1"/>
+              <p:nvPr/>
+            </p:nvSpPr>
+            <p:spPr>
+              <a:xfrm>
+                <a:off x="7441583" y="2496578"/>
+                <a:ext cx="436338" cy="307777"/>
+              </a:xfrm>
+              <a:prstGeom prst="rect">
+                <a:avLst/>
+              </a:prstGeom>
+              <a:noFill/>
+            </p:spPr>
+            <p:txBody>
+              <a:bodyPr wrap="none" rtlCol="0">
+                <a:spAutoFit/>
+              </a:bodyPr>
+              <a:lstStyle/>
+              <a:p>
+                <a:r>
+                  <a:rPr lang="en-DE" sz="1400" dirty="0">
+                    <a:solidFill>
+                      <a:srgbClr val="0070C0"/>
+                    </a:solidFill>
+                  </a:rPr>
+                  <a:t>has</a:t>
+                </a:r>
+              </a:p>
+            </p:txBody>
+          </p:sp>
+        </p:grpSp>
+        <p:grpSp>
+          <p:nvGrpSpPr>
+            <p:cNvPr id="31" name="Group 30">
+              <a:extLst>
+                <a:ext uri="{FF2B5EF4-FFF2-40B4-BE49-F238E27FC236}">
+                  <a16:creationId xmlns:a16="http://schemas.microsoft.com/office/drawing/2014/main" id="{BBF21A84-5490-055A-4C57-23AE34325282}"/>
+                </a:ext>
+              </a:extLst>
+            </p:cNvPr>
+            <p:cNvGrpSpPr/>
+            <p:nvPr/>
+          </p:nvGrpSpPr>
+          <p:grpSpPr>
+            <a:xfrm>
+              <a:off x="2770987" y="2563477"/>
+              <a:ext cx="1050289" cy="926741"/>
+              <a:chOff x="4037986" y="2843407"/>
+              <a:chExt cx="1050289" cy="926741"/>
+            </a:xfrm>
+          </p:grpSpPr>
+          <p:pic>
+            <p:nvPicPr>
+              <p:cNvPr id="32" name="Graphic 31" descr="Coins outline">
+                <a:extLst>
+                  <a:ext uri="{FF2B5EF4-FFF2-40B4-BE49-F238E27FC236}">
+                    <a16:creationId xmlns:a16="http://schemas.microsoft.com/office/drawing/2014/main" id="{F054B839-7EAF-61FD-17D8-1A302167FA7B}"/>
+                  </a:ext>
+                </a:extLst>
+              </p:cNvPr>
+              <p:cNvPicPr>
+                <a:picLocks noChangeAspect="1"/>
+              </p:cNvPicPr>
+              <p:nvPr/>
+            </p:nvPicPr>
+            <p:blipFill>
+              <a:blip r:embed="rId9">
+                <a:extLst>
+                  <a:ext uri="{96DAC541-7B7A-43D3-8B79-37D633B846F1}">
+                    <asvg:svgBlip xmlns:asvg="http://schemas.microsoft.com/office/drawing/2016/SVG/main" r:embed="rId10"/>
+                  </a:ext>
+                </a:extLst>
+              </a:blip>
+              <a:srcRect/>
+              <a:stretch/>
+            </p:blipFill>
+            <p:spPr>
+              <a:xfrm>
+                <a:off x="4298515" y="2843407"/>
+                <a:ext cx="529225" cy="529225"/>
+              </a:xfrm>
+              <a:prstGeom prst="rect">
+                <a:avLst/>
+              </a:prstGeom>
+            </p:spPr>
+          </p:pic>
+          <p:sp>
+            <p:nvSpPr>
+              <p:cNvPr id="33" name="TextBox 32">
+                <a:extLst>
+                  <a:ext uri="{FF2B5EF4-FFF2-40B4-BE49-F238E27FC236}">
+                    <a16:creationId xmlns:a16="http://schemas.microsoft.com/office/drawing/2014/main" id="{74BB76EE-FD1E-9B98-D563-DE59DDFDB190}"/>
+                  </a:ext>
+                </a:extLst>
+              </p:cNvPr>
+              <p:cNvSpPr txBox="1"/>
+              <p:nvPr/>
+            </p:nvSpPr>
+            <p:spPr>
+              <a:xfrm>
+                <a:off x="4037986" y="3400816"/>
+                <a:ext cx="1050289" cy="369332"/>
+              </a:xfrm>
+              <a:prstGeom prst="rect">
+                <a:avLst/>
+              </a:prstGeom>
+              <a:noFill/>
+            </p:spPr>
+            <p:txBody>
+              <a:bodyPr wrap="none" rtlCol="0">
+                <a:spAutoFit/>
+              </a:bodyPr>
+              <a:lstStyle/>
+              <a:p>
+                <a:pPr algn="ctr"/>
+                <a:r>
+                  <a:rPr lang="en-DE" dirty="0"/>
+                  <a:t>Expenses</a:t>
+                </a:r>
+              </a:p>
+            </p:txBody>
+          </p:sp>
+        </p:grpSp>
+        <p:grpSp>
+          <p:nvGrpSpPr>
+            <p:cNvPr id="34" name="Group 33">
+              <a:extLst>
+                <a:ext uri="{FF2B5EF4-FFF2-40B4-BE49-F238E27FC236}">
+                  <a16:creationId xmlns:a16="http://schemas.microsoft.com/office/drawing/2014/main" id="{06FAAD82-7030-C636-467B-71245D46D34C}"/>
+                </a:ext>
+              </a:extLst>
+            </p:cNvPr>
+            <p:cNvGrpSpPr/>
+            <p:nvPr/>
+          </p:nvGrpSpPr>
+          <p:grpSpPr>
+            <a:xfrm>
+              <a:off x="3296128" y="1730158"/>
+              <a:ext cx="2547786" cy="833319"/>
+              <a:chOff x="6499136" y="2438429"/>
+              <a:chExt cx="2547786" cy="833319"/>
+            </a:xfrm>
+          </p:grpSpPr>
+          <p:cxnSp>
+            <p:nvCxnSpPr>
+              <p:cNvPr id="35" name="Straight Arrow Connector 34">
+                <a:extLst>
+                  <a:ext uri="{FF2B5EF4-FFF2-40B4-BE49-F238E27FC236}">
+                    <a16:creationId xmlns:a16="http://schemas.microsoft.com/office/drawing/2014/main" id="{9D96C599-B63D-5CA3-9565-56EDE55F7788}"/>
+                  </a:ext>
+                </a:extLst>
+              </p:cNvPr>
+              <p:cNvCxnSpPr>
+                <a:cxnSpLocks/>
+                <a:stCxn id="5" idx="1"/>
+              </p:cNvCxnSpPr>
+              <p:nvPr/>
+            </p:nvCxnSpPr>
+            <p:spPr>
+              <a:xfrm flipH="1">
+                <a:off x="6499136" y="2438429"/>
+                <a:ext cx="2547786" cy="833319"/>
+              </a:xfrm>
+              <a:prstGeom prst="straightConnector1">
+                <a:avLst/>
+              </a:prstGeom>
+              <a:ln>
+                <a:tailEnd type="triangle"/>
+              </a:ln>
+            </p:spPr>
+            <p:style>
+              <a:lnRef idx="1">
+                <a:schemeClr val="accent1"/>
+              </a:lnRef>
+              <a:fillRef idx="0">
+                <a:schemeClr val="accent1"/>
+              </a:fillRef>
+              <a:effectRef idx="0">
+                <a:schemeClr val="accent1"/>
+              </a:effectRef>
+              <a:fontRef idx="minor">
+                <a:schemeClr val="tx1"/>
+              </a:fontRef>
+            </p:style>
+          </p:cxnSp>
+          <p:sp>
+            <p:nvSpPr>
+              <p:cNvPr id="36" name="TextBox 35">
+                <a:extLst>
+                  <a:ext uri="{FF2B5EF4-FFF2-40B4-BE49-F238E27FC236}">
+                    <a16:creationId xmlns:a16="http://schemas.microsoft.com/office/drawing/2014/main" id="{11144F1F-8E68-DC6F-E657-D0D26D2A325E}"/>
+                  </a:ext>
+                </a:extLst>
+              </p:cNvPr>
+              <p:cNvSpPr txBox="1"/>
+              <p:nvPr/>
+            </p:nvSpPr>
+            <p:spPr>
+              <a:xfrm>
+                <a:off x="7441583" y="2496578"/>
+                <a:ext cx="436338" cy="307777"/>
+              </a:xfrm>
+              <a:prstGeom prst="rect">
+                <a:avLst/>
+              </a:prstGeom>
+              <a:noFill/>
+            </p:spPr>
+            <p:txBody>
+              <a:bodyPr wrap="none" rtlCol="0">
+                <a:spAutoFit/>
+              </a:bodyPr>
+              <a:lstStyle/>
+              <a:p>
+                <a:r>
+                  <a:rPr lang="en-DE" sz="1400" dirty="0">
+                    <a:solidFill>
+                      <a:srgbClr val="0070C0"/>
+                    </a:solidFill>
+                  </a:rPr>
+                  <a:t>has</a:t>
+                </a:r>
+              </a:p>
+            </p:txBody>
+          </p:sp>
+        </p:grpSp>
+        <p:cxnSp>
+          <p:nvCxnSpPr>
+            <p:cNvPr id="39" name="Straight Arrow Connector 38">
+              <a:extLst>
+                <a:ext uri="{FF2B5EF4-FFF2-40B4-BE49-F238E27FC236}">
+                  <a16:creationId xmlns:a16="http://schemas.microsoft.com/office/drawing/2014/main" id="{88103285-22B6-1A94-FE74-1B63AC8B251A}"/>
+                </a:ext>
+              </a:extLst>
+            </p:cNvPr>
+            <p:cNvCxnSpPr>
+              <a:cxnSpLocks/>
+              <a:stCxn id="22" idx="3"/>
+            </p:cNvCxnSpPr>
+            <p:nvPr/>
+          </p:nvCxnSpPr>
           <p:spPr>
-            <a:xfrm>
-              <a:off x="5843914" y="1478072"/>
-              <a:ext cx="504172" cy="504172"/>
+            <a:xfrm flipV="1">
+              <a:off x="4511619" y="3199632"/>
+              <a:ext cx="3193975" cy="896133"/>
             </a:xfrm>
-            <a:prstGeom prst="rect">
+            <a:prstGeom prst="straightConnector1">
               <a:avLst/>
             </a:prstGeom>
+            <a:ln>
+              <a:tailEnd type="triangle"/>
+            </a:ln>
           </p:spPr>
-        </p:pic>
+          <p:style>
+            <a:lnRef idx="1">
+              <a:schemeClr val="accent6"/>
+            </a:lnRef>
+            <a:fillRef idx="0">
+              <a:schemeClr val="accent6"/>
+            </a:fillRef>
+            <a:effectRef idx="0">
+              <a:schemeClr val="accent6"/>
+            </a:effectRef>
+            <a:fontRef idx="minor">
+              <a:schemeClr val="tx1"/>
+            </a:fontRef>
+          </p:style>
+        </p:cxnSp>
         <p:sp>
           <p:nvSpPr>
-            <p:cNvPr id="6" name="TextBox 5">
+            <p:cNvPr id="42" name="TextBox 41">
               <a:extLst>
                 <a:ext uri="{FF2B5EF4-FFF2-40B4-BE49-F238E27FC236}">
-                  <a16:creationId xmlns:a16="http://schemas.microsoft.com/office/drawing/2014/main" id="{CE8550EA-3E03-0631-87E9-B53A80F8A8FB}"/>
+                  <a16:creationId xmlns:a16="http://schemas.microsoft.com/office/drawing/2014/main" id="{C62365F9-7FDE-F1A4-86A9-E8F5BCF65653}"/>
                 </a:ext>
               </a:extLst>
             </p:cNvPr>
@@ -3849,8 +4533,8 @@
           </p:nvSpPr>
           <p:spPr>
             <a:xfrm>
-              <a:off x="5816500" y="1982244"/>
-              <a:ext cx="558999" cy="369332"/>
+              <a:off x="5557808" y="3790045"/>
+              <a:ext cx="1242135" cy="307777"/>
             </a:xfrm>
             <a:prstGeom prst="rect">
               <a:avLst/>
@@ -3863,77 +4547,73 @@
             </a:bodyPr>
             <a:lstStyle/>
             <a:p>
-              <a:pPr algn="ctr"/>
               <a:r>
-                <a:rPr lang="en-DE" dirty="0"/>
-                <a:t>Lars</a:t>
+                <a:rPr lang="en-GB" sz="1400" dirty="0">
+                  <a:solidFill>
+                    <a:srgbClr val="92D050"/>
+                  </a:solidFill>
+                </a:rPr>
+                <a:t>d</a:t>
+              </a:r>
+              <a:r>
+                <a:rPr lang="en-DE" sz="1400" dirty="0">
+                  <a:solidFill>
+                    <a:srgbClr val="92D050"/>
+                  </a:solidFill>
+                </a:rPr>
+                <a:t>eposited into</a:t>
               </a:r>
             </a:p>
           </p:txBody>
         </p:sp>
-      </p:grpSp>
-      <p:grpSp>
-        <p:nvGrpSpPr>
-          <p:cNvPr id="12" name="Group 11">
-            <a:extLst>
-              <a:ext uri="{FF2B5EF4-FFF2-40B4-BE49-F238E27FC236}">
-                <a16:creationId xmlns:a16="http://schemas.microsoft.com/office/drawing/2014/main" id="{F6B806B2-23AD-DF4C-F2CC-C4E990624AB7}"/>
-              </a:ext>
-            </a:extLst>
-          </p:cNvPr>
-          <p:cNvGrpSpPr/>
-          <p:nvPr/>
-        </p:nvGrpSpPr>
-        <p:grpSpPr>
-          <a:xfrm>
-            <a:off x="7192204" y="2935020"/>
-            <a:ext cx="1556003" cy="926741"/>
-            <a:chOff x="3785125" y="2843407"/>
-            <a:chExt cx="1556003" cy="926741"/>
-          </a:xfrm>
-        </p:grpSpPr>
-        <p:pic>
-          <p:nvPicPr>
-            <p:cNvPr id="9" name="Graphic 8" descr="Bank with solid fill">
+        <p:cxnSp>
+          <p:nvCxnSpPr>
+            <p:cNvPr id="43" name="Straight Arrow Connector 42">
               <a:extLst>
                 <a:ext uri="{FF2B5EF4-FFF2-40B4-BE49-F238E27FC236}">
-                  <a16:creationId xmlns:a16="http://schemas.microsoft.com/office/drawing/2014/main" id="{2D20CE99-03B5-2242-A248-C02CBC4B5754}"/>
+                  <a16:creationId xmlns:a16="http://schemas.microsoft.com/office/drawing/2014/main" id="{C7E6CFED-FCDC-A431-1153-87D798F46BA3}"/>
                 </a:ext>
               </a:extLst>
             </p:cNvPr>
-            <p:cNvPicPr>
-              <a:picLocks noChangeAspect="1"/>
-            </p:cNvPicPr>
+            <p:cNvCxnSpPr>
+              <a:cxnSpLocks/>
+              <a:stCxn id="32" idx="3"/>
+            </p:cNvCxnSpPr>
             <p:nvPr/>
-          </p:nvPicPr>
-          <p:blipFill>
-            <a:blip r:embed="rId5">
-              <a:extLst>
-                <a:ext uri="{96DAC541-7B7A-43D3-8B79-37D633B846F1}">
-                  <asvg:svgBlip xmlns:asvg="http://schemas.microsoft.com/office/drawing/2016/SVG/main" r:embed="rId6"/>
-                </a:ext>
-              </a:extLst>
-            </a:blip>
-            <a:stretch>
-              <a:fillRect/>
-            </a:stretch>
-          </p:blipFill>
+          </p:nvCxnSpPr>
           <p:spPr>
             <a:xfrm>
-              <a:off x="4298515" y="2843407"/>
-              <a:ext cx="529225" cy="529225"/>
+              <a:off x="3560741" y="2828090"/>
+              <a:ext cx="4144853" cy="375488"/>
             </a:xfrm>
-            <a:prstGeom prst="rect">
+            <a:prstGeom prst="straightConnector1">
               <a:avLst/>
             </a:prstGeom>
+            <a:ln>
+              <a:tailEnd type="triangle"/>
+            </a:ln>
           </p:spPr>
-        </p:pic>
+          <p:style>
+            <a:lnRef idx="1">
+              <a:schemeClr val="accent6"/>
+            </a:lnRef>
+            <a:fillRef idx="0">
+              <a:schemeClr val="accent6"/>
+            </a:fillRef>
+            <a:effectRef idx="0">
+              <a:schemeClr val="accent6"/>
+            </a:effectRef>
+            <a:fontRef idx="minor">
+              <a:schemeClr val="tx1"/>
+            </a:fontRef>
+          </p:style>
+        </p:cxnSp>
         <p:sp>
           <p:nvSpPr>
-            <p:cNvPr id="11" name="TextBox 10">
+            <p:cNvPr id="48" name="TextBox 47">
               <a:extLst>
                 <a:ext uri="{FF2B5EF4-FFF2-40B4-BE49-F238E27FC236}">
-                  <a16:creationId xmlns:a16="http://schemas.microsoft.com/office/drawing/2014/main" id="{8A53A378-54EF-EEE4-D46B-570B86576B9D}"/>
+                  <a16:creationId xmlns:a16="http://schemas.microsoft.com/office/drawing/2014/main" id="{D099DFA8-115F-7AD7-B8F1-55877AE615B8}"/>
                 </a:ext>
               </a:extLst>
             </p:cNvPr>
@@ -3942,8 +4622,8 @@
           </p:nvSpPr>
           <p:spPr>
             <a:xfrm>
-              <a:off x="3785125" y="3400816"/>
-              <a:ext cx="1556003" cy="369332"/>
+              <a:off x="4964480" y="3108345"/>
+              <a:ext cx="1305165" cy="307777"/>
             </a:xfrm>
             <a:prstGeom prst="rect">
               <a:avLst/>
@@ -3956,55 +4636,1146 @@
             </a:bodyPr>
             <a:lstStyle/>
             <a:p>
-              <a:pPr algn="ctr"/>
               <a:r>
-                <a:rPr lang="en-DE" dirty="0"/>
-                <a:t>Bank Accounts</a:t>
+                <a:rPr lang="en-GB" sz="1400" dirty="0">
+                  <a:solidFill>
+                    <a:srgbClr val="92D050"/>
+                  </a:solidFill>
+                </a:rPr>
+                <a:t>d</a:t>
+              </a:r>
+              <a:r>
+                <a:rPr lang="en-DE" sz="1400" dirty="0">
+                  <a:solidFill>
+                    <a:srgbClr val="92D050"/>
+                  </a:solidFill>
+                </a:rPr>
+                <a:t>eposited from</a:t>
               </a:r>
             </a:p>
           </p:txBody>
         </p:sp>
-      </p:grpSp>
-      <p:grpSp>
-        <p:nvGrpSpPr>
-          <p:cNvPr id="24" name="Group 23">
-            <a:extLst>
-              <a:ext uri="{FF2B5EF4-FFF2-40B4-BE49-F238E27FC236}">
-                <a16:creationId xmlns:a16="http://schemas.microsoft.com/office/drawing/2014/main" id="{B2414DF7-0FC7-A0B2-F929-3285A0D7EBB1}"/>
-              </a:ext>
-            </a:extLst>
-          </p:cNvPr>
-          <p:cNvGrpSpPr/>
-          <p:nvPr/>
-        </p:nvGrpSpPr>
-        <p:grpSpPr>
-          <a:xfrm>
-            <a:off x="6348086" y="1730158"/>
-            <a:ext cx="1622121" cy="1204862"/>
-            <a:chOff x="6348086" y="1730158"/>
-            <a:chExt cx="1622121" cy="1204862"/>
-          </a:xfrm>
-        </p:grpSpPr>
+        <p:grpSp>
+          <p:nvGrpSpPr>
+            <p:cNvPr id="52" name="Group 51">
+              <a:extLst>
+                <a:ext uri="{FF2B5EF4-FFF2-40B4-BE49-F238E27FC236}">
+                  <a16:creationId xmlns:a16="http://schemas.microsoft.com/office/drawing/2014/main" id="{B705B62B-E337-EF10-8D63-7A489E641BC4}"/>
+                </a:ext>
+              </a:extLst>
+            </p:cNvPr>
+            <p:cNvGrpSpPr/>
+            <p:nvPr/>
+          </p:nvGrpSpPr>
+          <p:grpSpPr>
+            <a:xfrm>
+              <a:off x="750044" y="3790045"/>
+              <a:ext cx="1127040" cy="926741"/>
+              <a:chOff x="3999611" y="2843407"/>
+              <a:chExt cx="1127040" cy="926741"/>
+            </a:xfrm>
+          </p:grpSpPr>
+          <p:pic>
+            <p:nvPicPr>
+              <p:cNvPr id="53" name="Graphic 52" descr="Grocery bag with solid fill">
+                <a:extLst>
+                  <a:ext uri="{FF2B5EF4-FFF2-40B4-BE49-F238E27FC236}">
+                    <a16:creationId xmlns:a16="http://schemas.microsoft.com/office/drawing/2014/main" id="{7A8CA5E0-9A5F-3603-9DF0-7CC92CCB00E8}"/>
+                  </a:ext>
+                </a:extLst>
+              </p:cNvPr>
+              <p:cNvPicPr>
+                <a:picLocks noChangeAspect="1"/>
+              </p:cNvPicPr>
+              <p:nvPr/>
+            </p:nvPicPr>
+            <p:blipFill>
+              <a:blip r:embed="rId11">
+                <a:extLst>
+                  <a:ext uri="{96DAC541-7B7A-43D3-8B79-37D633B846F1}">
+                    <asvg:svgBlip xmlns:asvg="http://schemas.microsoft.com/office/drawing/2016/SVG/main" r:embed="rId12"/>
+                  </a:ext>
+                </a:extLst>
+              </a:blip>
+              <a:srcRect/>
+              <a:stretch/>
+            </p:blipFill>
+            <p:spPr>
+              <a:xfrm>
+                <a:off x="4298515" y="2843407"/>
+                <a:ext cx="529225" cy="529225"/>
+              </a:xfrm>
+              <a:prstGeom prst="rect">
+                <a:avLst/>
+              </a:prstGeom>
+            </p:spPr>
+          </p:pic>
+          <p:sp>
+            <p:nvSpPr>
+              <p:cNvPr id="54" name="TextBox 53">
+                <a:extLst>
+                  <a:ext uri="{FF2B5EF4-FFF2-40B4-BE49-F238E27FC236}">
+                    <a16:creationId xmlns:a16="http://schemas.microsoft.com/office/drawing/2014/main" id="{451887AE-DC38-84A6-3406-6649CB53C7C6}"/>
+                  </a:ext>
+                </a:extLst>
+              </p:cNvPr>
+              <p:cNvSpPr txBox="1"/>
+              <p:nvPr/>
+            </p:nvSpPr>
+            <p:spPr>
+              <a:xfrm>
+                <a:off x="3999611" y="3400816"/>
+                <a:ext cx="1127040" cy="369332"/>
+              </a:xfrm>
+              <a:prstGeom prst="rect">
+                <a:avLst/>
+              </a:prstGeom>
+              <a:noFill/>
+            </p:spPr>
+            <p:txBody>
+              <a:bodyPr wrap="none" rtlCol="0">
+                <a:spAutoFit/>
+              </a:bodyPr>
+              <a:lstStyle/>
+              <a:p>
+                <a:pPr algn="ctr"/>
+                <a:r>
+                  <a:rPr lang="en-DE" dirty="0"/>
+                  <a:t>Purchases</a:t>
+                </a:r>
+              </a:p>
+            </p:txBody>
+          </p:sp>
+        </p:grpSp>
         <p:cxnSp>
           <p:nvCxnSpPr>
-            <p:cNvPr id="14" name="Straight Arrow Connector 13">
+            <p:cNvPr id="55" name="Straight Arrow Connector 54">
               <a:extLst>
                 <a:ext uri="{FF2B5EF4-FFF2-40B4-BE49-F238E27FC236}">
-                  <a16:creationId xmlns:a16="http://schemas.microsoft.com/office/drawing/2014/main" id="{4612749E-2FB6-2D36-CB21-D694B0501CDE}"/>
+                  <a16:creationId xmlns:a16="http://schemas.microsoft.com/office/drawing/2014/main" id="{C2D5F678-46CA-D141-FCD6-961066898DD3}"/>
                 </a:ext>
               </a:extLst>
             </p:cNvPr>
             <p:cNvCxnSpPr>
               <a:cxnSpLocks/>
-              <a:stCxn id="5" idx="3"/>
-              <a:endCxn id="9" idx="0"/>
+              <a:endCxn id="33" idx="1"/>
+            </p:cNvCxnSpPr>
+            <p:nvPr/>
+          </p:nvCxnSpPr>
+          <p:spPr>
+            <a:xfrm flipV="1">
+              <a:off x="1663084" y="3305552"/>
+              <a:ext cx="1107903" cy="602468"/>
+            </a:xfrm>
+            <a:prstGeom prst="straightConnector1">
+              <a:avLst/>
+            </a:prstGeom>
+            <a:ln>
+              <a:tailEnd type="triangle"/>
+            </a:ln>
+          </p:spPr>
+          <p:style>
+            <a:lnRef idx="1">
+              <a:schemeClr val="accent6"/>
+            </a:lnRef>
+            <a:fillRef idx="0">
+              <a:schemeClr val="accent6"/>
+            </a:fillRef>
+            <a:effectRef idx="0">
+              <a:schemeClr val="accent6"/>
+            </a:effectRef>
+            <a:fontRef idx="minor">
+              <a:schemeClr val="tx1"/>
+            </a:fontRef>
+          </p:style>
+        </p:cxnSp>
+        <p:sp>
+          <p:nvSpPr>
+            <p:cNvPr id="57" name="TextBox 56">
+              <a:extLst>
+                <a:ext uri="{FF2B5EF4-FFF2-40B4-BE49-F238E27FC236}">
+                  <a16:creationId xmlns:a16="http://schemas.microsoft.com/office/drawing/2014/main" id="{994DE3C7-1643-2F40-91FE-2DD51E9D186D}"/>
+                </a:ext>
+              </a:extLst>
+            </p:cNvPr>
+            <p:cNvSpPr txBox="1"/>
+            <p:nvPr/>
+          </p:nvSpPr>
+          <p:spPr>
+            <a:xfrm>
+              <a:off x="1641025" y="3279980"/>
+              <a:ext cx="672941" cy="307777"/>
+            </a:xfrm>
+            <a:prstGeom prst="rect">
+              <a:avLst/>
+            </a:prstGeom>
+            <a:noFill/>
+          </p:spPr>
+          <p:txBody>
+            <a:bodyPr wrap="none" rtlCol="0">
+              <a:spAutoFit/>
+            </a:bodyPr>
+            <a:lstStyle/>
+            <a:p>
+              <a:r>
+                <a:rPr lang="de-DE" sz="1400" dirty="0" err="1">
+                  <a:solidFill>
+                    <a:srgbClr val="92D050"/>
+                  </a:solidFill>
+                </a:rPr>
+                <a:t>part</a:t>
+              </a:r>
+              <a:r>
+                <a:rPr lang="de-DE" sz="1400" dirty="0">
+                  <a:solidFill>
+                    <a:srgbClr val="92D050"/>
+                  </a:solidFill>
+                </a:rPr>
+                <a:t> </a:t>
+              </a:r>
+              <a:r>
+                <a:rPr lang="de-DE" sz="1400" dirty="0" err="1">
+                  <a:solidFill>
+                    <a:srgbClr val="92D050"/>
+                  </a:solidFill>
+                </a:rPr>
+                <a:t>of</a:t>
+              </a:r>
+              <a:endParaRPr lang="en-DE" sz="1400" dirty="0">
+                <a:solidFill>
+                  <a:srgbClr val="92D050"/>
+                </a:solidFill>
+              </a:endParaRPr>
+            </a:p>
+          </p:txBody>
+        </p:sp>
+        <p:grpSp>
+          <p:nvGrpSpPr>
+            <p:cNvPr id="58" name="Group 57">
+              <a:extLst>
+                <a:ext uri="{FF2B5EF4-FFF2-40B4-BE49-F238E27FC236}">
+                  <a16:creationId xmlns:a16="http://schemas.microsoft.com/office/drawing/2014/main" id="{5F3B99F4-8B90-75CA-6795-53230B0B02C5}"/>
+                </a:ext>
+              </a:extLst>
+            </p:cNvPr>
+            <p:cNvGrpSpPr/>
+            <p:nvPr/>
+          </p:nvGrpSpPr>
+          <p:grpSpPr>
+            <a:xfrm>
+              <a:off x="10904535" y="307412"/>
+              <a:ext cx="991746" cy="926741"/>
+              <a:chOff x="4067254" y="2843407"/>
+              <a:chExt cx="991746" cy="926741"/>
+            </a:xfrm>
+          </p:grpSpPr>
+          <p:pic>
+            <p:nvPicPr>
+              <p:cNvPr id="59" name="Graphic 58" descr="Tropical scene with solid fill">
+                <a:extLst>
+                  <a:ext uri="{FF2B5EF4-FFF2-40B4-BE49-F238E27FC236}">
+                    <a16:creationId xmlns:a16="http://schemas.microsoft.com/office/drawing/2014/main" id="{80109191-15DD-4941-0AC3-AEBDC04B9BBF}"/>
+                  </a:ext>
+                </a:extLst>
+              </p:cNvPr>
+              <p:cNvPicPr>
+                <a:picLocks noChangeAspect="1"/>
+              </p:cNvPicPr>
+              <p:nvPr/>
+            </p:nvPicPr>
+            <p:blipFill>
+              <a:blip r:embed="rId13">
+                <a:extLst>
+                  <a:ext uri="{96DAC541-7B7A-43D3-8B79-37D633B846F1}">
+                    <asvg:svgBlip xmlns:asvg="http://schemas.microsoft.com/office/drawing/2016/SVG/main" r:embed="rId14"/>
+                  </a:ext>
+                </a:extLst>
+              </a:blip>
+              <a:srcRect/>
+              <a:stretch/>
+            </p:blipFill>
+            <p:spPr>
+              <a:xfrm>
+                <a:off x="4298515" y="2843407"/>
+                <a:ext cx="529225" cy="529225"/>
+              </a:xfrm>
+              <a:prstGeom prst="rect">
+                <a:avLst/>
+              </a:prstGeom>
+            </p:spPr>
+          </p:pic>
+          <p:sp>
+            <p:nvSpPr>
+              <p:cNvPr id="60" name="TextBox 59">
+                <a:extLst>
+                  <a:ext uri="{FF2B5EF4-FFF2-40B4-BE49-F238E27FC236}">
+                    <a16:creationId xmlns:a16="http://schemas.microsoft.com/office/drawing/2014/main" id="{AC966913-6DCB-6575-4A05-1C450D7DCAB7}"/>
+                  </a:ext>
+                </a:extLst>
+              </p:cNvPr>
+              <p:cNvSpPr txBox="1"/>
+              <p:nvPr/>
+            </p:nvSpPr>
+            <p:spPr>
+              <a:xfrm>
+                <a:off x="4067254" y="3400816"/>
+                <a:ext cx="991746" cy="369332"/>
+              </a:xfrm>
+              <a:prstGeom prst="rect">
+                <a:avLst/>
+              </a:prstGeom>
+              <a:noFill/>
+            </p:spPr>
+            <p:txBody>
+              <a:bodyPr wrap="none" rtlCol="0">
+                <a:spAutoFit/>
+              </a:bodyPr>
+              <a:lstStyle/>
+              <a:p>
+                <a:pPr algn="ctr"/>
+                <a:r>
+                  <a:rPr lang="en-DE" dirty="0"/>
+                  <a:t>Vacation</a:t>
+                </a:r>
+              </a:p>
+            </p:txBody>
+          </p:sp>
+        </p:grpSp>
+        <p:grpSp>
+          <p:nvGrpSpPr>
+            <p:cNvPr id="61" name="Group 60">
+              <a:extLst>
+                <a:ext uri="{FF2B5EF4-FFF2-40B4-BE49-F238E27FC236}">
+                  <a16:creationId xmlns:a16="http://schemas.microsoft.com/office/drawing/2014/main" id="{C0B47DEA-B703-A99B-58E0-3C9B25684048}"/>
+                </a:ext>
+              </a:extLst>
+            </p:cNvPr>
+            <p:cNvGrpSpPr/>
+            <p:nvPr/>
+          </p:nvGrpSpPr>
+          <p:grpSpPr>
+            <a:xfrm>
+              <a:off x="6348020" y="1730158"/>
+              <a:ext cx="3574789" cy="960095"/>
+              <a:chOff x="3914840" y="1295494"/>
+              <a:chExt cx="3574789" cy="960095"/>
+            </a:xfrm>
+          </p:grpSpPr>
+          <p:cxnSp>
+            <p:nvCxnSpPr>
+              <p:cNvPr id="62" name="Straight Arrow Connector 61">
+                <a:extLst>
+                  <a:ext uri="{FF2B5EF4-FFF2-40B4-BE49-F238E27FC236}">
+                    <a16:creationId xmlns:a16="http://schemas.microsoft.com/office/drawing/2014/main" id="{999F7485-354E-BBAB-C773-42E101E14C96}"/>
+                  </a:ext>
+                </a:extLst>
+              </p:cNvPr>
+              <p:cNvCxnSpPr>
+                <a:cxnSpLocks/>
+              </p:cNvCxnSpPr>
+              <p:nvPr/>
+            </p:nvCxnSpPr>
+            <p:spPr>
+              <a:xfrm>
+                <a:off x="3914840" y="1295494"/>
+                <a:ext cx="3574789" cy="960095"/>
+              </a:xfrm>
+              <a:prstGeom prst="straightConnector1">
+                <a:avLst/>
+              </a:prstGeom>
+              <a:ln>
+                <a:tailEnd type="triangle"/>
+              </a:ln>
+            </p:spPr>
+            <p:style>
+              <a:lnRef idx="1">
+                <a:schemeClr val="accent1"/>
+              </a:lnRef>
+              <a:fillRef idx="0">
+                <a:schemeClr val="accent1"/>
+              </a:fillRef>
+              <a:effectRef idx="0">
+                <a:schemeClr val="accent1"/>
+              </a:effectRef>
+              <a:fontRef idx="minor">
+                <a:schemeClr val="tx1"/>
+              </a:fontRef>
+            </p:style>
+          </p:cxnSp>
+          <p:sp>
+            <p:nvSpPr>
+              <p:cNvPr id="63" name="TextBox 62">
+                <a:extLst>
+                  <a:ext uri="{FF2B5EF4-FFF2-40B4-BE49-F238E27FC236}">
+                    <a16:creationId xmlns:a16="http://schemas.microsoft.com/office/drawing/2014/main" id="{73644A6F-415F-3201-1F3A-8BF3B06E1DF8}"/>
+                  </a:ext>
+                </a:extLst>
+              </p:cNvPr>
+              <p:cNvSpPr txBox="1"/>
+              <p:nvPr/>
+            </p:nvSpPr>
+            <p:spPr>
+              <a:xfrm>
+                <a:off x="6203194" y="1561563"/>
+                <a:ext cx="704680" cy="307777"/>
+              </a:xfrm>
+              <a:prstGeom prst="rect">
+                <a:avLst/>
+              </a:prstGeom>
+              <a:noFill/>
+            </p:spPr>
+            <p:txBody>
+              <a:bodyPr wrap="none" rtlCol="0">
+                <a:spAutoFit/>
+              </a:bodyPr>
+              <a:lstStyle/>
+              <a:p>
+                <a:r>
+                  <a:rPr lang="de-DE" sz="1400" dirty="0" err="1">
+                    <a:solidFill>
+                      <a:srgbClr val="0070C0"/>
+                    </a:solidFill>
+                  </a:rPr>
+                  <a:t>sets</a:t>
+                </a:r>
+                <a:r>
+                  <a:rPr lang="de-DE" sz="1400" dirty="0">
+                    <a:solidFill>
+                      <a:srgbClr val="0070C0"/>
+                    </a:solidFill>
+                  </a:rPr>
+                  <a:t> </a:t>
+                </a:r>
+                <a:r>
+                  <a:rPr lang="de-DE" sz="1400" dirty="0" err="1">
+                    <a:solidFill>
+                      <a:srgbClr val="0070C0"/>
+                    </a:solidFill>
+                  </a:rPr>
+                  <a:t>up</a:t>
+                </a:r>
+                <a:endParaRPr lang="en-DE" sz="1400" dirty="0">
+                  <a:solidFill>
+                    <a:srgbClr val="0070C0"/>
+                  </a:solidFill>
+                </a:endParaRPr>
+              </a:p>
+            </p:txBody>
+          </p:sp>
+        </p:grpSp>
+        <p:grpSp>
+          <p:nvGrpSpPr>
+            <p:cNvPr id="66" name="Group 65">
+              <a:extLst>
+                <a:ext uri="{FF2B5EF4-FFF2-40B4-BE49-F238E27FC236}">
+                  <a16:creationId xmlns:a16="http://schemas.microsoft.com/office/drawing/2014/main" id="{577B8270-FEF1-6F03-EAEB-429911B86406}"/>
+                </a:ext>
+              </a:extLst>
+            </p:cNvPr>
+            <p:cNvGrpSpPr/>
+            <p:nvPr/>
+          </p:nvGrpSpPr>
+          <p:grpSpPr>
+            <a:xfrm>
+              <a:off x="9630036" y="2471649"/>
+              <a:ext cx="1359026" cy="926741"/>
+              <a:chOff x="3883617" y="2843407"/>
+              <a:chExt cx="1359026" cy="926741"/>
+            </a:xfrm>
+          </p:grpSpPr>
+          <p:pic>
+            <p:nvPicPr>
+              <p:cNvPr id="67" name="Graphic 66" descr="Piggy Bank with solid fill">
+                <a:extLst>
+                  <a:ext uri="{FF2B5EF4-FFF2-40B4-BE49-F238E27FC236}">
+                    <a16:creationId xmlns:a16="http://schemas.microsoft.com/office/drawing/2014/main" id="{88825EC2-FA19-CC2E-9F5D-0FE294EDB940}"/>
+                  </a:ext>
+                </a:extLst>
+              </p:cNvPr>
+              <p:cNvPicPr>
+                <a:picLocks noChangeAspect="1"/>
+              </p:cNvPicPr>
+              <p:nvPr/>
+            </p:nvPicPr>
+            <p:blipFill>
+              <a:blip r:embed="rId15">
+                <a:extLst>
+                  <a:ext uri="{96DAC541-7B7A-43D3-8B79-37D633B846F1}">
+                    <asvg:svgBlip xmlns:asvg="http://schemas.microsoft.com/office/drawing/2016/SVG/main" r:embed="rId16"/>
+                  </a:ext>
+                </a:extLst>
+              </a:blip>
+              <a:srcRect/>
+              <a:stretch/>
+            </p:blipFill>
+            <p:spPr>
+              <a:xfrm>
+                <a:off x="4298515" y="2843407"/>
+                <a:ext cx="529225" cy="529225"/>
+              </a:xfrm>
+              <a:prstGeom prst="rect">
+                <a:avLst/>
+              </a:prstGeom>
+            </p:spPr>
+          </p:pic>
+          <p:sp>
+            <p:nvSpPr>
+              <p:cNvPr id="68" name="TextBox 67">
+                <a:extLst>
+                  <a:ext uri="{FF2B5EF4-FFF2-40B4-BE49-F238E27FC236}">
+                    <a16:creationId xmlns:a16="http://schemas.microsoft.com/office/drawing/2014/main" id="{4E1764F0-11FB-5E2F-41E2-E98C1D40E8A7}"/>
+                  </a:ext>
+                </a:extLst>
+              </p:cNvPr>
+              <p:cNvSpPr txBox="1"/>
+              <p:nvPr/>
+            </p:nvSpPr>
+            <p:spPr>
+              <a:xfrm>
+                <a:off x="3883617" y="3400816"/>
+                <a:ext cx="1359026" cy="369332"/>
+              </a:xfrm>
+              <a:prstGeom prst="rect">
+                <a:avLst/>
+              </a:prstGeom>
+              <a:noFill/>
+            </p:spPr>
+            <p:txBody>
+              <a:bodyPr wrap="none" rtlCol="0">
+                <a:spAutoFit/>
+              </a:bodyPr>
+              <a:lstStyle/>
+              <a:p>
+                <a:pPr algn="ctr"/>
+                <a:r>
+                  <a:rPr lang="en-DE" dirty="0"/>
+                  <a:t>Savings Goal</a:t>
+                </a:r>
+              </a:p>
+            </p:txBody>
+          </p:sp>
+        </p:grpSp>
+        <p:cxnSp>
+          <p:nvCxnSpPr>
+            <p:cNvPr id="69" name="Straight Arrow Connector 68">
+              <a:extLst>
+                <a:ext uri="{FF2B5EF4-FFF2-40B4-BE49-F238E27FC236}">
+                  <a16:creationId xmlns:a16="http://schemas.microsoft.com/office/drawing/2014/main" id="{F3E8E91F-7487-4F7D-2673-9F6093022FEE}"/>
+                </a:ext>
+              </a:extLst>
+            </p:cNvPr>
+            <p:cNvCxnSpPr>
+              <a:cxnSpLocks/>
+              <a:stCxn id="67" idx="0"/>
+              <a:endCxn id="60" idx="2"/>
+            </p:cNvCxnSpPr>
+            <p:nvPr/>
+          </p:nvCxnSpPr>
+          <p:spPr>
+            <a:xfrm flipV="1">
+              <a:off x="10309547" y="1234153"/>
+              <a:ext cx="1090861" cy="1237496"/>
+            </a:xfrm>
+            <a:prstGeom prst="straightConnector1">
+              <a:avLst/>
+            </a:prstGeom>
+            <a:ln>
+              <a:tailEnd type="triangle"/>
+            </a:ln>
+          </p:spPr>
+          <p:style>
+            <a:lnRef idx="1">
+              <a:schemeClr val="accent6"/>
+            </a:lnRef>
+            <a:fillRef idx="0">
+              <a:schemeClr val="accent6"/>
+            </a:fillRef>
+            <a:effectRef idx="0">
+              <a:schemeClr val="accent6"/>
+            </a:effectRef>
+            <a:fontRef idx="minor">
+              <a:schemeClr val="tx1"/>
+            </a:fontRef>
+          </p:style>
+        </p:cxnSp>
+        <p:sp>
+          <p:nvSpPr>
+            <p:cNvPr id="73" name="TextBox 72">
+              <a:extLst>
+                <a:ext uri="{FF2B5EF4-FFF2-40B4-BE49-F238E27FC236}">
+                  <a16:creationId xmlns:a16="http://schemas.microsoft.com/office/drawing/2014/main" id="{95D4B463-B8F8-BC34-A5D0-8FDC7A235BFA}"/>
+                </a:ext>
+              </a:extLst>
+            </p:cNvPr>
+            <p:cNvSpPr txBox="1"/>
+            <p:nvPr/>
+          </p:nvSpPr>
+          <p:spPr>
+            <a:xfrm>
+              <a:off x="9977609" y="1594651"/>
+              <a:ext cx="773481" cy="307777"/>
+            </a:xfrm>
+            <a:prstGeom prst="rect">
+              <a:avLst/>
+            </a:prstGeom>
+            <a:noFill/>
+          </p:spPr>
+          <p:txBody>
+            <a:bodyPr wrap="none" rtlCol="0">
+              <a:spAutoFit/>
+            </a:bodyPr>
+            <a:lstStyle/>
+            <a:p>
+              <a:r>
+                <a:rPr lang="de-DE" sz="1400" dirty="0" err="1">
+                  <a:solidFill>
+                    <a:srgbClr val="92D050"/>
+                  </a:solidFill>
+                </a:rPr>
+                <a:t>to</a:t>
+              </a:r>
+              <a:r>
+                <a:rPr lang="de-DE" sz="1400" dirty="0">
+                  <a:solidFill>
+                    <a:srgbClr val="92D050"/>
+                  </a:solidFill>
+                </a:rPr>
+                <a:t> </a:t>
+              </a:r>
+              <a:r>
+                <a:rPr lang="de-DE" sz="1400" dirty="0" err="1">
+                  <a:solidFill>
+                    <a:srgbClr val="92D050"/>
+                  </a:solidFill>
+                </a:rPr>
+                <a:t>make</a:t>
+              </a:r>
+              <a:endParaRPr lang="en-DE" sz="1400" dirty="0">
+                <a:solidFill>
+                  <a:srgbClr val="92D050"/>
+                </a:solidFill>
+              </a:endParaRPr>
+            </a:p>
+          </p:txBody>
+        </p:sp>
+        <p:cxnSp>
+          <p:nvCxnSpPr>
+            <p:cNvPr id="78" name="Elbow Connector 77">
+              <a:extLst>
+                <a:ext uri="{FF2B5EF4-FFF2-40B4-BE49-F238E27FC236}">
+                  <a16:creationId xmlns:a16="http://schemas.microsoft.com/office/drawing/2014/main" id="{9DCA314C-887A-067E-13F5-969DC4D092DA}"/>
+                </a:ext>
+              </a:extLst>
+            </p:cNvPr>
+            <p:cNvCxnSpPr>
+              <a:stCxn id="68" idx="2"/>
+              <a:endCxn id="23" idx="3"/>
+            </p:cNvCxnSpPr>
+            <p:nvPr/>
+          </p:nvCxnSpPr>
+          <p:spPr>
+            <a:xfrm rot="5400000">
+              <a:off x="7106792" y="1370469"/>
+              <a:ext cx="1174837" cy="5230678"/>
+            </a:xfrm>
+            <a:prstGeom prst="bentConnector2">
+              <a:avLst/>
+            </a:prstGeom>
+            <a:ln>
+              <a:tailEnd type="triangle"/>
+            </a:ln>
+          </p:spPr>
+          <p:style>
+            <a:lnRef idx="1">
+              <a:schemeClr val="accent6"/>
+            </a:lnRef>
+            <a:fillRef idx="0">
+              <a:schemeClr val="accent6"/>
+            </a:fillRef>
+            <a:effectRef idx="0">
+              <a:schemeClr val="accent6"/>
+            </a:effectRef>
+            <a:fontRef idx="minor">
+              <a:schemeClr val="tx1"/>
+            </a:fontRef>
+          </p:style>
+        </p:cxnSp>
+        <p:sp>
+          <p:nvSpPr>
+            <p:cNvPr id="79" name="TextBox 78">
+              <a:extLst>
+                <a:ext uri="{FF2B5EF4-FFF2-40B4-BE49-F238E27FC236}">
+                  <a16:creationId xmlns:a16="http://schemas.microsoft.com/office/drawing/2014/main" id="{E2F5C5EE-B433-9A10-2432-8C06C32377AD}"/>
+                </a:ext>
+              </a:extLst>
+            </p:cNvPr>
+            <p:cNvSpPr txBox="1"/>
+            <p:nvPr/>
+          </p:nvSpPr>
+          <p:spPr>
+            <a:xfrm>
+              <a:off x="6953261" y="4882707"/>
+              <a:ext cx="922817" cy="307777"/>
+            </a:xfrm>
+            <a:prstGeom prst="rect">
+              <a:avLst/>
+            </a:prstGeom>
+            <a:noFill/>
+          </p:spPr>
+          <p:txBody>
+            <a:bodyPr wrap="none" rtlCol="0">
+              <a:spAutoFit/>
+            </a:bodyPr>
+            <a:lstStyle/>
+            <a:p>
+              <a:r>
+                <a:rPr lang="de-DE" sz="1400" dirty="0" err="1">
+                  <a:solidFill>
+                    <a:srgbClr val="92D050"/>
+                  </a:solidFill>
+                </a:rPr>
+                <a:t>budgeting</a:t>
+              </a:r>
+              <a:endParaRPr lang="en-DE" sz="1400" dirty="0">
+                <a:solidFill>
+                  <a:srgbClr val="92D050"/>
+                </a:solidFill>
+              </a:endParaRPr>
+            </a:p>
+          </p:txBody>
+        </p:sp>
+        <p:grpSp>
+          <p:nvGrpSpPr>
+            <p:cNvPr id="80" name="Group 79">
+              <a:extLst>
+                <a:ext uri="{FF2B5EF4-FFF2-40B4-BE49-F238E27FC236}">
+                  <a16:creationId xmlns:a16="http://schemas.microsoft.com/office/drawing/2014/main" id="{1CC54CC0-6295-09E7-27FC-4C8626208105}"/>
+                </a:ext>
+              </a:extLst>
+            </p:cNvPr>
+            <p:cNvGrpSpPr/>
+            <p:nvPr/>
+          </p:nvGrpSpPr>
+          <p:grpSpPr>
+            <a:xfrm>
+              <a:off x="8328541" y="3839485"/>
+              <a:ext cx="1358065" cy="926741"/>
+              <a:chOff x="3884101" y="2843407"/>
+              <a:chExt cx="1358065" cy="926741"/>
+            </a:xfrm>
+          </p:grpSpPr>
+          <p:pic>
+            <p:nvPicPr>
+              <p:cNvPr id="81" name="Graphic 80" descr="Statistics outline">
+                <a:extLst>
+                  <a:ext uri="{FF2B5EF4-FFF2-40B4-BE49-F238E27FC236}">
+                    <a16:creationId xmlns:a16="http://schemas.microsoft.com/office/drawing/2014/main" id="{A710F35F-025D-2831-BD58-9706FF3EBD60}"/>
+                  </a:ext>
+                </a:extLst>
+              </p:cNvPr>
+              <p:cNvPicPr>
+                <a:picLocks noChangeAspect="1"/>
+              </p:cNvPicPr>
+              <p:nvPr/>
+            </p:nvPicPr>
+            <p:blipFill>
+              <a:blip r:embed="rId17">
+                <a:extLst>
+                  <a:ext uri="{96DAC541-7B7A-43D3-8B79-37D633B846F1}">
+                    <asvg:svgBlip xmlns:asvg="http://schemas.microsoft.com/office/drawing/2016/SVG/main" r:embed="rId18"/>
+                  </a:ext>
+                </a:extLst>
+              </a:blip>
+              <a:srcRect/>
+              <a:stretch/>
+            </p:blipFill>
+            <p:spPr>
+              <a:xfrm>
+                <a:off x="4298515" y="2843407"/>
+                <a:ext cx="529225" cy="529225"/>
+              </a:xfrm>
+              <a:prstGeom prst="rect">
+                <a:avLst/>
+              </a:prstGeom>
+            </p:spPr>
+          </p:pic>
+          <p:sp>
+            <p:nvSpPr>
+              <p:cNvPr id="82" name="TextBox 81">
+                <a:extLst>
+                  <a:ext uri="{FF2B5EF4-FFF2-40B4-BE49-F238E27FC236}">
+                    <a16:creationId xmlns:a16="http://schemas.microsoft.com/office/drawing/2014/main" id="{0779D125-87A3-6A56-4138-1806FF2EB3AE}"/>
+                  </a:ext>
+                </a:extLst>
+              </p:cNvPr>
+              <p:cNvSpPr txBox="1"/>
+              <p:nvPr/>
+            </p:nvSpPr>
+            <p:spPr>
+              <a:xfrm>
+                <a:off x="3884101" y="3400816"/>
+                <a:ext cx="1358065" cy="369332"/>
+              </a:xfrm>
+              <a:prstGeom prst="rect">
+                <a:avLst/>
+              </a:prstGeom>
+              <a:solidFill>
+                <a:schemeClr val="bg1"/>
+              </a:solidFill>
+              <a:ln>
+                <a:solidFill>
+                  <a:srgbClr val="92D050"/>
+                </a:solidFill>
+              </a:ln>
+            </p:spPr>
+            <p:txBody>
+              <a:bodyPr wrap="none" rtlCol="0">
+                <a:spAutoFit/>
+              </a:bodyPr>
+              <a:lstStyle/>
+              <a:p>
+                <a:pPr algn="ctr"/>
+                <a:r>
+                  <a:rPr lang="en-DE" dirty="0"/>
+                  <a:t>Data Analyst</a:t>
+                </a:r>
+              </a:p>
+            </p:txBody>
+          </p:sp>
+        </p:grpSp>
+        <p:cxnSp>
+          <p:nvCxnSpPr>
+            <p:cNvPr id="83" name="Elbow Connector 82">
+              <a:extLst>
+                <a:ext uri="{FF2B5EF4-FFF2-40B4-BE49-F238E27FC236}">
+                  <a16:creationId xmlns:a16="http://schemas.microsoft.com/office/drawing/2014/main" id="{C680F504-F621-AECE-A7B4-FC4E284D3CB5}"/>
+                </a:ext>
+              </a:extLst>
+            </p:cNvPr>
+            <p:cNvCxnSpPr>
+              <a:cxnSpLocks/>
+              <a:stCxn id="54" idx="2"/>
+              <a:endCxn id="82" idx="2"/>
+            </p:cNvCxnSpPr>
+            <p:nvPr/>
+          </p:nvCxnSpPr>
+          <p:spPr>
+            <a:xfrm rot="16200000" flipH="1">
+              <a:off x="5135849" y="894501"/>
+              <a:ext cx="49440" cy="7694010"/>
+            </a:xfrm>
+            <a:prstGeom prst="bentConnector3">
+              <a:avLst>
+                <a:gd name="adj1" fmla="val 1512472"/>
+              </a:avLst>
+            </a:prstGeom>
+            <a:ln>
+              <a:tailEnd type="triangle"/>
+            </a:ln>
+          </p:spPr>
+          <p:style>
+            <a:lnRef idx="1">
+              <a:schemeClr val="accent6"/>
+            </a:lnRef>
+            <a:fillRef idx="0">
+              <a:schemeClr val="accent6"/>
+            </a:fillRef>
+            <a:effectRef idx="0">
+              <a:schemeClr val="accent6"/>
+            </a:effectRef>
+            <a:fontRef idx="minor">
+              <a:schemeClr val="tx1"/>
+            </a:fontRef>
+          </p:style>
+        </p:cxnSp>
+        <p:grpSp>
+          <p:nvGrpSpPr>
+            <p:cNvPr id="87" name="Group 86">
+              <a:extLst>
+                <a:ext uri="{FF2B5EF4-FFF2-40B4-BE49-F238E27FC236}">
+                  <a16:creationId xmlns:a16="http://schemas.microsoft.com/office/drawing/2014/main" id="{DBD796D3-68FA-CB38-55F5-CA048526EE47}"/>
+                </a:ext>
+              </a:extLst>
+            </p:cNvPr>
+            <p:cNvGrpSpPr/>
+            <p:nvPr/>
+          </p:nvGrpSpPr>
+          <p:grpSpPr>
+            <a:xfrm>
+              <a:off x="10786164" y="5238856"/>
+              <a:ext cx="821828" cy="926741"/>
+              <a:chOff x="4152217" y="2843407"/>
+              <a:chExt cx="821828" cy="926741"/>
+            </a:xfrm>
+          </p:grpSpPr>
+          <p:pic>
+            <p:nvPicPr>
+              <p:cNvPr id="88" name="Graphic 87" descr="Document with solid fill">
+                <a:extLst>
+                  <a:ext uri="{FF2B5EF4-FFF2-40B4-BE49-F238E27FC236}">
+                    <a16:creationId xmlns:a16="http://schemas.microsoft.com/office/drawing/2014/main" id="{AAFFA56F-E4F9-2AEC-3B2D-8B8ADD48ECBF}"/>
+                  </a:ext>
+                </a:extLst>
+              </p:cNvPr>
+              <p:cNvPicPr>
+                <a:picLocks noChangeAspect="1"/>
+              </p:cNvPicPr>
+              <p:nvPr/>
+            </p:nvPicPr>
+            <p:blipFill>
+              <a:blip r:embed="rId19">
+                <a:extLst>
+                  <a:ext uri="{96DAC541-7B7A-43D3-8B79-37D633B846F1}">
+                    <asvg:svgBlip xmlns:asvg="http://schemas.microsoft.com/office/drawing/2016/SVG/main" r:embed="rId20"/>
+                  </a:ext>
+                </a:extLst>
+              </a:blip>
+              <a:srcRect/>
+              <a:stretch/>
+            </p:blipFill>
+            <p:spPr>
+              <a:xfrm>
+                <a:off x="4298515" y="2843407"/>
+                <a:ext cx="529225" cy="529225"/>
+              </a:xfrm>
+              <a:prstGeom prst="rect">
+                <a:avLst/>
+              </a:prstGeom>
+            </p:spPr>
+          </p:pic>
+          <p:sp>
+            <p:nvSpPr>
+              <p:cNvPr id="89" name="TextBox 88">
+                <a:extLst>
+                  <a:ext uri="{FF2B5EF4-FFF2-40B4-BE49-F238E27FC236}">
+                    <a16:creationId xmlns:a16="http://schemas.microsoft.com/office/drawing/2014/main" id="{0A5CCE05-574D-A49A-E154-5FFA1CF19C96}"/>
+                  </a:ext>
+                </a:extLst>
+              </p:cNvPr>
+              <p:cNvSpPr txBox="1"/>
+              <p:nvPr/>
+            </p:nvSpPr>
+            <p:spPr>
+              <a:xfrm>
+                <a:off x="4152217" y="3400816"/>
+                <a:ext cx="821828" cy="369332"/>
+              </a:xfrm>
+              <a:prstGeom prst="rect">
+                <a:avLst/>
+              </a:prstGeom>
+              <a:noFill/>
+            </p:spPr>
+            <p:txBody>
+              <a:bodyPr wrap="none" rtlCol="0">
+                <a:spAutoFit/>
+              </a:bodyPr>
+              <a:lstStyle/>
+              <a:p>
+                <a:pPr algn="ctr"/>
+                <a:r>
+                  <a:rPr lang="en-DE" dirty="0"/>
+                  <a:t>Report</a:t>
+                </a:r>
+              </a:p>
+            </p:txBody>
+          </p:sp>
+        </p:grpSp>
+        <p:cxnSp>
+          <p:nvCxnSpPr>
+            <p:cNvPr id="90" name="Straight Arrow Connector 89">
+              <a:extLst>
+                <a:ext uri="{FF2B5EF4-FFF2-40B4-BE49-F238E27FC236}">
+                  <a16:creationId xmlns:a16="http://schemas.microsoft.com/office/drawing/2014/main" id="{E39E3F9C-127A-771E-6E9D-F4DDC8040A79}"/>
+                </a:ext>
+              </a:extLst>
+            </p:cNvPr>
+            <p:cNvCxnSpPr>
+              <a:cxnSpLocks/>
+              <a:endCxn id="89" idx="1"/>
             </p:cNvCxnSpPr>
             <p:nvPr/>
           </p:nvCxnSpPr>
           <p:spPr>
             <a:xfrm>
-              <a:off x="6348086" y="1730158"/>
-              <a:ext cx="1622121" cy="1204862"/>
+              <a:off x="9444625" y="4766226"/>
+              <a:ext cx="1341539" cy="1214705"/>
+            </a:xfrm>
+            <a:prstGeom prst="straightConnector1">
+              <a:avLst/>
+            </a:prstGeom>
+            <a:ln>
+              <a:tailEnd type="triangle"/>
+            </a:ln>
+          </p:spPr>
+          <p:style>
+            <a:lnRef idx="1">
+              <a:schemeClr val="accent6"/>
+            </a:lnRef>
+            <a:fillRef idx="0">
+              <a:schemeClr val="accent6"/>
+            </a:fillRef>
+            <a:effectRef idx="0">
+              <a:schemeClr val="accent6"/>
+            </a:effectRef>
+            <a:fontRef idx="minor">
+              <a:schemeClr val="tx1"/>
+            </a:fontRef>
+          </p:style>
+        </p:cxnSp>
+        <p:sp>
+          <p:nvSpPr>
+            <p:cNvPr id="93" name="TextBox 92">
+              <a:extLst>
+                <a:ext uri="{FF2B5EF4-FFF2-40B4-BE49-F238E27FC236}">
+                  <a16:creationId xmlns:a16="http://schemas.microsoft.com/office/drawing/2014/main" id="{16177FC0-449C-5407-1CA9-639AF359E053}"/>
+                </a:ext>
+              </a:extLst>
+            </p:cNvPr>
+            <p:cNvSpPr txBox="1"/>
+            <p:nvPr/>
+          </p:nvSpPr>
+          <p:spPr>
+            <a:xfrm>
+              <a:off x="9444625" y="5571731"/>
+              <a:ext cx="905312" cy="307777"/>
+            </a:xfrm>
+            <a:prstGeom prst="rect">
+              <a:avLst/>
+            </a:prstGeom>
+            <a:noFill/>
+          </p:spPr>
+          <p:txBody>
+            <a:bodyPr wrap="none" rtlCol="0">
+              <a:spAutoFit/>
+            </a:bodyPr>
+            <a:lstStyle/>
+            <a:p>
+              <a:r>
+                <a:rPr lang="de-DE" sz="1400" dirty="0" err="1">
+                  <a:solidFill>
+                    <a:srgbClr val="92D050"/>
+                  </a:solidFill>
+                </a:rPr>
+                <a:t>generates</a:t>
+              </a:r>
+              <a:endParaRPr lang="en-DE" sz="1400" dirty="0">
+                <a:solidFill>
+                  <a:srgbClr val="92D050"/>
+                </a:solidFill>
+              </a:endParaRPr>
+            </a:p>
+          </p:txBody>
+        </p:sp>
+        <p:grpSp>
+          <p:nvGrpSpPr>
+            <p:cNvPr id="101" name="Group 100">
+              <a:extLst>
+                <a:ext uri="{FF2B5EF4-FFF2-40B4-BE49-F238E27FC236}">
+                  <a16:creationId xmlns:a16="http://schemas.microsoft.com/office/drawing/2014/main" id="{AEA8E97B-4A93-C4EE-A12C-A9E617B5B337}"/>
+                </a:ext>
+              </a:extLst>
+            </p:cNvPr>
+            <p:cNvGrpSpPr/>
+            <p:nvPr/>
+          </p:nvGrpSpPr>
+          <p:grpSpPr>
+            <a:xfrm>
+              <a:off x="1866508" y="1359273"/>
+              <a:ext cx="904479" cy="926741"/>
+              <a:chOff x="4110891" y="2843407"/>
+              <a:chExt cx="904479" cy="926741"/>
+            </a:xfrm>
+          </p:grpSpPr>
+          <p:pic>
+            <p:nvPicPr>
+              <p:cNvPr id="102" name="Graphic 101" descr="Camera with solid fill">
+                <a:extLst>
+                  <a:ext uri="{FF2B5EF4-FFF2-40B4-BE49-F238E27FC236}">
+                    <a16:creationId xmlns:a16="http://schemas.microsoft.com/office/drawing/2014/main" id="{EF95F15D-4E89-A0C2-9155-D811490B3587}"/>
+                  </a:ext>
+                </a:extLst>
+              </p:cNvPr>
+              <p:cNvPicPr>
+                <a:picLocks noChangeAspect="1"/>
+              </p:cNvPicPr>
+              <p:nvPr/>
+            </p:nvPicPr>
+            <p:blipFill>
+              <a:blip r:embed="rId21">
+                <a:extLst>
+                  <a:ext uri="{96DAC541-7B7A-43D3-8B79-37D633B846F1}">
+                    <asvg:svgBlip xmlns:asvg="http://schemas.microsoft.com/office/drawing/2016/SVG/main" r:embed="rId22"/>
+                  </a:ext>
+                </a:extLst>
+              </a:blip>
+              <a:srcRect/>
+              <a:stretch/>
+            </p:blipFill>
+            <p:spPr>
+              <a:xfrm>
+                <a:off x="4298515" y="2843407"/>
+                <a:ext cx="529225" cy="529225"/>
+              </a:xfrm>
+              <a:prstGeom prst="rect">
+                <a:avLst/>
+              </a:prstGeom>
+            </p:spPr>
+          </p:pic>
+          <p:sp>
+            <p:nvSpPr>
+              <p:cNvPr id="103" name="TextBox 102">
+                <a:extLst>
+                  <a:ext uri="{FF2B5EF4-FFF2-40B4-BE49-F238E27FC236}">
+                    <a16:creationId xmlns:a16="http://schemas.microsoft.com/office/drawing/2014/main" id="{45C2F41F-1C73-6732-4BE8-5975FBC3C256}"/>
+                  </a:ext>
+                </a:extLst>
+              </p:cNvPr>
+              <p:cNvSpPr txBox="1"/>
+              <p:nvPr/>
+            </p:nvSpPr>
+            <p:spPr>
+              <a:xfrm>
+                <a:off x="4110891" y="3400816"/>
+                <a:ext cx="904479" cy="369332"/>
+              </a:xfrm>
+              <a:prstGeom prst="rect">
+                <a:avLst/>
+              </a:prstGeom>
+              <a:noFill/>
+            </p:spPr>
+            <p:txBody>
+              <a:bodyPr wrap="none" rtlCol="0">
+                <a:spAutoFit/>
+              </a:bodyPr>
+              <a:lstStyle/>
+              <a:p>
+                <a:pPr algn="ctr"/>
+                <a:r>
+                  <a:rPr lang="en-DE" dirty="0"/>
+                  <a:t>Camera</a:t>
+                </a:r>
+              </a:p>
+            </p:txBody>
+          </p:sp>
+        </p:grpSp>
+        <p:cxnSp>
+          <p:nvCxnSpPr>
+            <p:cNvPr id="104" name="Straight Arrow Connector 103">
+              <a:extLst>
+                <a:ext uri="{FF2B5EF4-FFF2-40B4-BE49-F238E27FC236}">
+                  <a16:creationId xmlns:a16="http://schemas.microsoft.com/office/drawing/2014/main" id="{C93124D1-D408-0DCC-443A-289479FA14DA}"/>
+                </a:ext>
+              </a:extLst>
+            </p:cNvPr>
+            <p:cNvCxnSpPr>
+              <a:cxnSpLocks/>
+            </p:cNvCxnSpPr>
+            <p:nvPr/>
+          </p:nvCxnSpPr>
+          <p:spPr>
+            <a:xfrm flipH="1" flipV="1">
+              <a:off x="2699973" y="1701024"/>
+              <a:ext cx="3116527" cy="40831"/>
             </a:xfrm>
             <a:prstGeom prst="straightConnector1">
               <a:avLst/>
@@ -4030,10 +5801,10 @@
         </p:cxnSp>
         <p:sp>
           <p:nvSpPr>
-            <p:cNvPr id="20" name="TextBox 19">
+            <p:cNvPr id="107" name="TextBox 106">
               <a:extLst>
                 <a:ext uri="{FF2B5EF4-FFF2-40B4-BE49-F238E27FC236}">
-                  <a16:creationId xmlns:a16="http://schemas.microsoft.com/office/drawing/2014/main" id="{45CFEDBA-1415-3B4A-E267-4E78676E37F0}"/>
+                  <a16:creationId xmlns:a16="http://schemas.microsoft.com/office/drawing/2014/main" id="{7F4765A1-C8E8-02CA-FD34-E43FD6B16FD6}"/>
                 </a:ext>
               </a:extLst>
             </p:cNvPr>
@@ -4042,7 +5813,7 @@
           </p:nvSpPr>
           <p:spPr>
             <a:xfrm>
-              <a:off x="7079470" y="2010934"/>
+              <a:off x="3253606" y="1363725"/>
               <a:ext cx="571888" cy="307777"/>
             </a:xfrm>
             <a:prstGeom prst="rect">
@@ -4067,139 +5838,25 @@
             </a:p>
           </p:txBody>
         </p:sp>
-      </p:grpSp>
-      <p:grpSp>
-        <p:nvGrpSpPr>
-          <p:cNvPr id="21" name="Group 20">
-            <a:extLst>
-              <a:ext uri="{FF2B5EF4-FFF2-40B4-BE49-F238E27FC236}">
-                <a16:creationId xmlns:a16="http://schemas.microsoft.com/office/drawing/2014/main" id="{ED800F86-4477-7B17-99E8-98B1C034C411}"/>
-              </a:ext>
-            </a:extLst>
-          </p:cNvPr>
-          <p:cNvGrpSpPr/>
-          <p:nvPr/>
-        </p:nvGrpSpPr>
-        <p:grpSpPr>
-          <a:xfrm>
-            <a:off x="3415146" y="3831152"/>
-            <a:ext cx="1663725" cy="926741"/>
-            <a:chOff x="3731267" y="2843407"/>
-            <a:chExt cx="1663725" cy="926741"/>
-          </a:xfrm>
-        </p:grpSpPr>
-        <p:pic>
-          <p:nvPicPr>
-            <p:cNvPr id="22" name="Graphic 21" descr="Coins with solid fill">
+        <p:cxnSp>
+          <p:nvCxnSpPr>
+            <p:cNvPr id="108" name="Straight Arrow Connector 107">
               <a:extLst>
                 <a:ext uri="{FF2B5EF4-FFF2-40B4-BE49-F238E27FC236}">
-                  <a16:creationId xmlns:a16="http://schemas.microsoft.com/office/drawing/2014/main" id="{1BF1A37F-F043-D207-44DD-ABA1668B8502}"/>
-                </a:ext>
-              </a:extLst>
-            </p:cNvPr>
-            <p:cNvPicPr>
-              <a:picLocks noChangeAspect="1"/>
-            </p:cNvPicPr>
-            <p:nvPr/>
-          </p:nvPicPr>
-          <p:blipFill>
-            <a:blip r:embed="rId7">
-              <a:extLst>
-                <a:ext uri="{96DAC541-7B7A-43D3-8B79-37D633B846F1}">
-                  <asvg:svgBlip xmlns:asvg="http://schemas.microsoft.com/office/drawing/2016/SVG/main" r:embed="rId8"/>
-                </a:ext>
-              </a:extLst>
-            </a:blip>
-            <a:srcRect/>
-            <a:stretch/>
-          </p:blipFill>
-          <p:spPr>
-            <a:xfrm>
-              <a:off x="4298515" y="2843407"/>
-              <a:ext cx="529225" cy="529225"/>
-            </a:xfrm>
-            <a:prstGeom prst="rect">
-              <a:avLst/>
-            </a:prstGeom>
-          </p:spPr>
-        </p:pic>
-        <p:sp>
-          <p:nvSpPr>
-            <p:cNvPr id="23" name="TextBox 22">
-              <a:extLst>
-                <a:ext uri="{FF2B5EF4-FFF2-40B4-BE49-F238E27FC236}">
-                  <a16:creationId xmlns:a16="http://schemas.microsoft.com/office/drawing/2014/main" id="{F5A86A44-8E30-2F07-179F-C122A6E6157E}"/>
-                </a:ext>
-              </a:extLst>
-            </p:cNvPr>
-            <p:cNvSpPr txBox="1"/>
-            <p:nvPr/>
-          </p:nvSpPr>
-          <p:spPr>
-            <a:xfrm>
-              <a:off x="3731267" y="3400816"/>
-              <a:ext cx="1663725" cy="369332"/>
-            </a:xfrm>
-            <a:prstGeom prst="rect">
-              <a:avLst/>
-            </a:prstGeom>
-            <a:noFill/>
-          </p:spPr>
-          <p:txBody>
-            <a:bodyPr wrap="none" rtlCol="0">
-              <a:spAutoFit/>
-            </a:bodyPr>
-            <a:lstStyle/>
-            <a:p>
-              <a:pPr algn="ctr"/>
-              <a:r>
-                <a:rPr lang="en-DE" dirty="0"/>
-                <a:t>Income Sources</a:t>
-              </a:r>
-            </a:p>
-          </p:txBody>
-        </p:sp>
-      </p:grpSp>
-      <p:grpSp>
-        <p:nvGrpSpPr>
-          <p:cNvPr id="25" name="Group 24">
-            <a:extLst>
-              <a:ext uri="{FF2B5EF4-FFF2-40B4-BE49-F238E27FC236}">
-                <a16:creationId xmlns:a16="http://schemas.microsoft.com/office/drawing/2014/main" id="{759CD8C8-5BDE-5059-CE8C-62D2E6075911}"/>
-              </a:ext>
-            </a:extLst>
-          </p:cNvPr>
-          <p:cNvGrpSpPr/>
-          <p:nvPr/>
-        </p:nvGrpSpPr>
-        <p:grpSpPr>
-          <a:xfrm>
-            <a:off x="4247007" y="1730158"/>
-            <a:ext cx="1596907" cy="2100994"/>
-            <a:chOff x="7079468" y="1634125"/>
-            <a:chExt cx="1596907" cy="2100994"/>
-          </a:xfrm>
-        </p:grpSpPr>
-        <p:cxnSp>
-          <p:nvCxnSpPr>
-            <p:cNvPr id="26" name="Straight Arrow Connector 25">
-              <a:extLst>
-                <a:ext uri="{FF2B5EF4-FFF2-40B4-BE49-F238E27FC236}">
-                  <a16:creationId xmlns:a16="http://schemas.microsoft.com/office/drawing/2014/main" id="{1C49F69F-C0AE-4193-DC77-ED971E744649}"/>
+                  <a16:creationId xmlns:a16="http://schemas.microsoft.com/office/drawing/2014/main" id="{2A7A4B00-88A0-B648-E3DD-80D5280A6607}"/>
                 </a:ext>
               </a:extLst>
             </p:cNvPr>
             <p:cNvCxnSpPr>
               <a:cxnSpLocks/>
-              <a:stCxn id="5" idx="1"/>
-              <a:endCxn id="22" idx="0"/>
+              <a:stCxn id="103" idx="2"/>
             </p:cNvCxnSpPr>
             <p:nvPr/>
           </p:nvCxnSpPr>
           <p:spPr>
             <a:xfrm flipH="1">
-              <a:off x="7079468" y="1634125"/>
-              <a:ext cx="1596907" cy="2100994"/>
+              <a:off x="1237353" y="2286014"/>
+              <a:ext cx="1081395" cy="1439996"/>
             </a:xfrm>
             <a:prstGeom prst="straightConnector1">
               <a:avLst/>
@@ -4210,13 +5867,13 @@
           </p:spPr>
           <p:style>
             <a:lnRef idx="1">
-              <a:schemeClr val="accent1"/>
+              <a:schemeClr val="accent6"/>
             </a:lnRef>
             <a:fillRef idx="0">
-              <a:schemeClr val="accent1"/>
+              <a:schemeClr val="accent6"/>
             </a:fillRef>
             <a:effectRef idx="0">
-              <a:schemeClr val="accent1"/>
+              <a:schemeClr val="accent6"/>
             </a:effectRef>
             <a:fontRef idx="minor">
               <a:schemeClr val="tx1"/>
@@ -4225,10 +5882,10 @@
         </p:cxnSp>
         <p:sp>
           <p:nvSpPr>
-            <p:cNvPr id="27" name="TextBox 26">
+            <p:cNvPr id="111" name="TextBox 110">
               <a:extLst>
                 <a:ext uri="{FF2B5EF4-FFF2-40B4-BE49-F238E27FC236}">
-                  <a16:creationId xmlns:a16="http://schemas.microsoft.com/office/drawing/2014/main" id="{31826EB2-FD9D-4941-D9C3-7E3045DBC3DB}"/>
+                  <a16:creationId xmlns:a16="http://schemas.microsoft.com/office/drawing/2014/main" id="{DFA9A2ED-EDEB-B382-4C54-B3353CCEA763}"/>
                 </a:ext>
               </a:extLst>
             </p:cNvPr>
@@ -4237,767 +5894,8 @@
           </p:nvSpPr>
           <p:spPr>
             <a:xfrm>
-              <a:off x="7441583" y="2496578"/>
-              <a:ext cx="436338" cy="307777"/>
-            </a:xfrm>
-            <a:prstGeom prst="rect">
-              <a:avLst/>
-            </a:prstGeom>
-            <a:noFill/>
-          </p:spPr>
-          <p:txBody>
-            <a:bodyPr wrap="none" rtlCol="0">
-              <a:spAutoFit/>
-            </a:bodyPr>
-            <a:lstStyle/>
-            <a:p>
-              <a:r>
-                <a:rPr lang="en-DE" sz="1400" dirty="0">
-                  <a:solidFill>
-                    <a:srgbClr val="0070C0"/>
-                  </a:solidFill>
-                </a:rPr>
-                <a:t>has</a:t>
-              </a:r>
-            </a:p>
-          </p:txBody>
-        </p:sp>
-      </p:grpSp>
-      <p:grpSp>
-        <p:nvGrpSpPr>
-          <p:cNvPr id="31" name="Group 30">
-            <a:extLst>
-              <a:ext uri="{FF2B5EF4-FFF2-40B4-BE49-F238E27FC236}">
-                <a16:creationId xmlns:a16="http://schemas.microsoft.com/office/drawing/2014/main" id="{BBF21A84-5490-055A-4C57-23AE34325282}"/>
-              </a:ext>
-            </a:extLst>
-          </p:cNvPr>
-          <p:cNvGrpSpPr/>
-          <p:nvPr/>
-        </p:nvGrpSpPr>
-        <p:grpSpPr>
-          <a:xfrm>
-            <a:off x="2770987" y="2563477"/>
-            <a:ext cx="1050289" cy="926741"/>
-            <a:chOff x="4037986" y="2843407"/>
-            <a:chExt cx="1050289" cy="926741"/>
-          </a:xfrm>
-        </p:grpSpPr>
-        <p:pic>
-          <p:nvPicPr>
-            <p:cNvPr id="32" name="Graphic 31" descr="Coins outline">
-              <a:extLst>
-                <a:ext uri="{FF2B5EF4-FFF2-40B4-BE49-F238E27FC236}">
-                  <a16:creationId xmlns:a16="http://schemas.microsoft.com/office/drawing/2014/main" id="{F054B839-7EAF-61FD-17D8-1A302167FA7B}"/>
-                </a:ext>
-              </a:extLst>
-            </p:cNvPr>
-            <p:cNvPicPr>
-              <a:picLocks noChangeAspect="1"/>
-            </p:cNvPicPr>
-            <p:nvPr/>
-          </p:nvPicPr>
-          <p:blipFill>
-            <a:blip r:embed="rId9">
-              <a:extLst>
-                <a:ext uri="{96DAC541-7B7A-43D3-8B79-37D633B846F1}">
-                  <asvg:svgBlip xmlns:asvg="http://schemas.microsoft.com/office/drawing/2016/SVG/main" r:embed="rId10"/>
-                </a:ext>
-              </a:extLst>
-            </a:blip>
-            <a:srcRect/>
-            <a:stretch/>
-          </p:blipFill>
-          <p:spPr>
-            <a:xfrm>
-              <a:off x="4298515" y="2843407"/>
-              <a:ext cx="529225" cy="529225"/>
-            </a:xfrm>
-            <a:prstGeom prst="rect">
-              <a:avLst/>
-            </a:prstGeom>
-          </p:spPr>
-        </p:pic>
-        <p:sp>
-          <p:nvSpPr>
-            <p:cNvPr id="33" name="TextBox 32">
-              <a:extLst>
-                <a:ext uri="{FF2B5EF4-FFF2-40B4-BE49-F238E27FC236}">
-                  <a16:creationId xmlns:a16="http://schemas.microsoft.com/office/drawing/2014/main" id="{74BB76EE-FD1E-9B98-D563-DE59DDFDB190}"/>
-                </a:ext>
-              </a:extLst>
-            </p:cNvPr>
-            <p:cNvSpPr txBox="1"/>
-            <p:nvPr/>
-          </p:nvSpPr>
-          <p:spPr>
-            <a:xfrm>
-              <a:off x="4037986" y="3400816"/>
-              <a:ext cx="1050289" cy="369332"/>
-            </a:xfrm>
-            <a:prstGeom prst="rect">
-              <a:avLst/>
-            </a:prstGeom>
-            <a:noFill/>
-          </p:spPr>
-          <p:txBody>
-            <a:bodyPr wrap="none" rtlCol="0">
-              <a:spAutoFit/>
-            </a:bodyPr>
-            <a:lstStyle/>
-            <a:p>
-              <a:pPr algn="ctr"/>
-              <a:r>
-                <a:rPr lang="en-DE" dirty="0"/>
-                <a:t>Expenses</a:t>
-              </a:r>
-            </a:p>
-          </p:txBody>
-        </p:sp>
-      </p:grpSp>
-      <p:grpSp>
-        <p:nvGrpSpPr>
-          <p:cNvPr id="34" name="Group 33">
-            <a:extLst>
-              <a:ext uri="{FF2B5EF4-FFF2-40B4-BE49-F238E27FC236}">
-                <a16:creationId xmlns:a16="http://schemas.microsoft.com/office/drawing/2014/main" id="{06FAAD82-7030-C636-467B-71245D46D34C}"/>
-              </a:ext>
-            </a:extLst>
-          </p:cNvPr>
-          <p:cNvGrpSpPr/>
-          <p:nvPr/>
-        </p:nvGrpSpPr>
-        <p:grpSpPr>
-          <a:xfrm>
-            <a:off x="3296128" y="1730158"/>
-            <a:ext cx="2547786" cy="833319"/>
-            <a:chOff x="6499136" y="2438429"/>
-            <a:chExt cx="2547786" cy="833319"/>
-          </a:xfrm>
-        </p:grpSpPr>
-        <p:cxnSp>
-          <p:nvCxnSpPr>
-            <p:cNvPr id="35" name="Straight Arrow Connector 34">
-              <a:extLst>
-                <a:ext uri="{FF2B5EF4-FFF2-40B4-BE49-F238E27FC236}">
-                  <a16:creationId xmlns:a16="http://schemas.microsoft.com/office/drawing/2014/main" id="{9D96C599-B63D-5CA3-9565-56EDE55F7788}"/>
-                </a:ext>
-              </a:extLst>
-            </p:cNvPr>
-            <p:cNvCxnSpPr>
-              <a:cxnSpLocks/>
-              <a:stCxn id="5" idx="1"/>
-            </p:cNvCxnSpPr>
-            <p:nvPr/>
-          </p:nvCxnSpPr>
-          <p:spPr>
-            <a:xfrm flipH="1">
-              <a:off x="6499136" y="2438429"/>
-              <a:ext cx="2547786" cy="833319"/>
-            </a:xfrm>
-            <a:prstGeom prst="straightConnector1">
-              <a:avLst/>
-            </a:prstGeom>
-            <a:ln>
-              <a:tailEnd type="triangle"/>
-            </a:ln>
-          </p:spPr>
-          <p:style>
-            <a:lnRef idx="1">
-              <a:schemeClr val="accent1"/>
-            </a:lnRef>
-            <a:fillRef idx="0">
-              <a:schemeClr val="accent1"/>
-            </a:fillRef>
-            <a:effectRef idx="0">
-              <a:schemeClr val="accent1"/>
-            </a:effectRef>
-            <a:fontRef idx="minor">
-              <a:schemeClr val="tx1"/>
-            </a:fontRef>
-          </p:style>
-        </p:cxnSp>
-        <p:sp>
-          <p:nvSpPr>
-            <p:cNvPr id="36" name="TextBox 35">
-              <a:extLst>
-                <a:ext uri="{FF2B5EF4-FFF2-40B4-BE49-F238E27FC236}">
-                  <a16:creationId xmlns:a16="http://schemas.microsoft.com/office/drawing/2014/main" id="{11144F1F-8E68-DC6F-E657-D0D26D2A325E}"/>
-                </a:ext>
-              </a:extLst>
-            </p:cNvPr>
-            <p:cNvSpPr txBox="1"/>
-            <p:nvPr/>
-          </p:nvSpPr>
-          <p:spPr>
-            <a:xfrm>
-              <a:off x="7441583" y="2496578"/>
-              <a:ext cx="436338" cy="307777"/>
-            </a:xfrm>
-            <a:prstGeom prst="rect">
-              <a:avLst/>
-            </a:prstGeom>
-            <a:noFill/>
-          </p:spPr>
-          <p:txBody>
-            <a:bodyPr wrap="none" rtlCol="0">
-              <a:spAutoFit/>
-            </a:bodyPr>
-            <a:lstStyle/>
-            <a:p>
-              <a:r>
-                <a:rPr lang="en-DE" sz="1400" dirty="0">
-                  <a:solidFill>
-                    <a:srgbClr val="0070C0"/>
-                  </a:solidFill>
-                </a:rPr>
-                <a:t>has</a:t>
-              </a:r>
-            </a:p>
-          </p:txBody>
-        </p:sp>
-      </p:grpSp>
-      <p:cxnSp>
-        <p:nvCxnSpPr>
-          <p:cNvPr id="39" name="Straight Arrow Connector 38">
-            <a:extLst>
-              <a:ext uri="{FF2B5EF4-FFF2-40B4-BE49-F238E27FC236}">
-                <a16:creationId xmlns:a16="http://schemas.microsoft.com/office/drawing/2014/main" id="{88103285-22B6-1A94-FE74-1B63AC8B251A}"/>
-              </a:ext>
-            </a:extLst>
-          </p:cNvPr>
-          <p:cNvCxnSpPr>
-            <a:cxnSpLocks/>
-            <a:stCxn id="22" idx="3"/>
-          </p:cNvCxnSpPr>
-          <p:nvPr/>
-        </p:nvCxnSpPr>
-        <p:spPr>
-          <a:xfrm flipV="1">
-            <a:off x="4511619" y="3199632"/>
-            <a:ext cx="3193975" cy="896133"/>
-          </a:xfrm>
-          <a:prstGeom prst="straightConnector1">
-            <a:avLst/>
-          </a:prstGeom>
-          <a:ln>
-            <a:tailEnd type="triangle"/>
-          </a:ln>
-        </p:spPr>
-        <p:style>
-          <a:lnRef idx="1">
-            <a:schemeClr val="accent6"/>
-          </a:lnRef>
-          <a:fillRef idx="0">
-            <a:schemeClr val="accent6"/>
-          </a:fillRef>
-          <a:effectRef idx="0">
-            <a:schemeClr val="accent6"/>
-          </a:effectRef>
-          <a:fontRef idx="minor">
-            <a:schemeClr val="tx1"/>
-          </a:fontRef>
-        </p:style>
-      </p:cxnSp>
-      <p:sp>
-        <p:nvSpPr>
-          <p:cNvPr id="42" name="TextBox 41">
-            <a:extLst>
-              <a:ext uri="{FF2B5EF4-FFF2-40B4-BE49-F238E27FC236}">
-                <a16:creationId xmlns:a16="http://schemas.microsoft.com/office/drawing/2014/main" id="{C62365F9-7FDE-F1A4-86A9-E8F5BCF65653}"/>
-              </a:ext>
-            </a:extLst>
-          </p:cNvPr>
-          <p:cNvSpPr txBox="1"/>
-          <p:nvPr/>
-        </p:nvSpPr>
-        <p:spPr>
-          <a:xfrm>
-            <a:off x="5557808" y="3790045"/>
-            <a:ext cx="1242135" cy="307777"/>
-          </a:xfrm>
-          <a:prstGeom prst="rect">
-            <a:avLst/>
-          </a:prstGeom>
-          <a:noFill/>
-        </p:spPr>
-        <p:txBody>
-          <a:bodyPr wrap="none" rtlCol="0">
-            <a:spAutoFit/>
-          </a:bodyPr>
-          <a:lstStyle/>
-          <a:p>
-            <a:r>
-              <a:rPr lang="en-GB" sz="1400" dirty="0">
-                <a:solidFill>
-                  <a:srgbClr val="92D050"/>
-                </a:solidFill>
-              </a:rPr>
-              <a:t>d</a:t>
-            </a:r>
-            <a:r>
-              <a:rPr lang="en-DE" sz="1400" dirty="0">
-                <a:solidFill>
-                  <a:srgbClr val="92D050"/>
-                </a:solidFill>
-              </a:rPr>
-              <a:t>eposited into</a:t>
-            </a:r>
-          </a:p>
-        </p:txBody>
-      </p:sp>
-      <p:cxnSp>
-        <p:nvCxnSpPr>
-          <p:cNvPr id="43" name="Straight Arrow Connector 42">
-            <a:extLst>
-              <a:ext uri="{FF2B5EF4-FFF2-40B4-BE49-F238E27FC236}">
-                <a16:creationId xmlns:a16="http://schemas.microsoft.com/office/drawing/2014/main" id="{C7E6CFED-FCDC-A431-1153-87D798F46BA3}"/>
-              </a:ext>
-            </a:extLst>
-          </p:cNvPr>
-          <p:cNvCxnSpPr>
-            <a:cxnSpLocks/>
-            <a:stCxn id="32" idx="3"/>
-          </p:cNvCxnSpPr>
-          <p:nvPr/>
-        </p:nvCxnSpPr>
-        <p:spPr>
-          <a:xfrm>
-            <a:off x="3560741" y="2828090"/>
-            <a:ext cx="4144853" cy="375488"/>
-          </a:xfrm>
-          <a:prstGeom prst="straightConnector1">
-            <a:avLst/>
-          </a:prstGeom>
-          <a:ln>
-            <a:tailEnd type="triangle"/>
-          </a:ln>
-        </p:spPr>
-        <p:style>
-          <a:lnRef idx="1">
-            <a:schemeClr val="accent6"/>
-          </a:lnRef>
-          <a:fillRef idx="0">
-            <a:schemeClr val="accent6"/>
-          </a:fillRef>
-          <a:effectRef idx="0">
-            <a:schemeClr val="accent6"/>
-          </a:effectRef>
-          <a:fontRef idx="minor">
-            <a:schemeClr val="tx1"/>
-          </a:fontRef>
-        </p:style>
-      </p:cxnSp>
-      <p:sp>
-        <p:nvSpPr>
-          <p:cNvPr id="48" name="TextBox 47">
-            <a:extLst>
-              <a:ext uri="{FF2B5EF4-FFF2-40B4-BE49-F238E27FC236}">
-                <a16:creationId xmlns:a16="http://schemas.microsoft.com/office/drawing/2014/main" id="{D099DFA8-115F-7AD7-B8F1-55877AE615B8}"/>
-              </a:ext>
-            </a:extLst>
-          </p:cNvPr>
-          <p:cNvSpPr txBox="1"/>
-          <p:nvPr/>
-        </p:nvSpPr>
-        <p:spPr>
-          <a:xfrm>
-            <a:off x="4964480" y="3108345"/>
-            <a:ext cx="1305165" cy="307777"/>
-          </a:xfrm>
-          <a:prstGeom prst="rect">
-            <a:avLst/>
-          </a:prstGeom>
-          <a:noFill/>
-        </p:spPr>
-        <p:txBody>
-          <a:bodyPr wrap="none" rtlCol="0">
-            <a:spAutoFit/>
-          </a:bodyPr>
-          <a:lstStyle/>
-          <a:p>
-            <a:r>
-              <a:rPr lang="en-GB" sz="1400" dirty="0">
-                <a:solidFill>
-                  <a:srgbClr val="92D050"/>
-                </a:solidFill>
-              </a:rPr>
-              <a:t>d</a:t>
-            </a:r>
-            <a:r>
-              <a:rPr lang="en-DE" sz="1400" dirty="0">
-                <a:solidFill>
-                  <a:srgbClr val="92D050"/>
-                </a:solidFill>
-              </a:rPr>
-              <a:t>eposited from</a:t>
-            </a:r>
-          </a:p>
-        </p:txBody>
-      </p:sp>
-      <p:grpSp>
-        <p:nvGrpSpPr>
-          <p:cNvPr id="52" name="Group 51">
-            <a:extLst>
-              <a:ext uri="{FF2B5EF4-FFF2-40B4-BE49-F238E27FC236}">
-                <a16:creationId xmlns:a16="http://schemas.microsoft.com/office/drawing/2014/main" id="{B705B62B-E337-EF10-8D63-7A489E641BC4}"/>
-              </a:ext>
-            </a:extLst>
-          </p:cNvPr>
-          <p:cNvGrpSpPr/>
-          <p:nvPr/>
-        </p:nvGrpSpPr>
-        <p:grpSpPr>
-          <a:xfrm>
-            <a:off x="750044" y="3790045"/>
-            <a:ext cx="1127040" cy="926741"/>
-            <a:chOff x="3999611" y="2843407"/>
-            <a:chExt cx="1127040" cy="926741"/>
-          </a:xfrm>
-        </p:grpSpPr>
-        <p:pic>
-          <p:nvPicPr>
-            <p:cNvPr id="53" name="Graphic 52" descr="Grocery bag with solid fill">
-              <a:extLst>
-                <a:ext uri="{FF2B5EF4-FFF2-40B4-BE49-F238E27FC236}">
-                  <a16:creationId xmlns:a16="http://schemas.microsoft.com/office/drawing/2014/main" id="{7A8CA5E0-9A5F-3603-9DF0-7CC92CCB00E8}"/>
-                </a:ext>
-              </a:extLst>
-            </p:cNvPr>
-            <p:cNvPicPr>
-              <a:picLocks noChangeAspect="1"/>
-            </p:cNvPicPr>
-            <p:nvPr/>
-          </p:nvPicPr>
-          <p:blipFill>
-            <a:blip r:embed="rId11">
-              <a:extLst>
-                <a:ext uri="{96DAC541-7B7A-43D3-8B79-37D633B846F1}">
-                  <asvg:svgBlip xmlns:asvg="http://schemas.microsoft.com/office/drawing/2016/SVG/main" r:embed="rId12"/>
-                </a:ext>
-              </a:extLst>
-            </a:blip>
-            <a:srcRect/>
-            <a:stretch/>
-          </p:blipFill>
-          <p:spPr>
-            <a:xfrm>
-              <a:off x="4298515" y="2843407"/>
-              <a:ext cx="529225" cy="529225"/>
-            </a:xfrm>
-            <a:prstGeom prst="rect">
-              <a:avLst/>
-            </a:prstGeom>
-          </p:spPr>
-        </p:pic>
-        <p:sp>
-          <p:nvSpPr>
-            <p:cNvPr id="54" name="TextBox 53">
-              <a:extLst>
-                <a:ext uri="{FF2B5EF4-FFF2-40B4-BE49-F238E27FC236}">
-                  <a16:creationId xmlns:a16="http://schemas.microsoft.com/office/drawing/2014/main" id="{451887AE-DC38-84A6-3406-6649CB53C7C6}"/>
-                </a:ext>
-              </a:extLst>
-            </p:cNvPr>
-            <p:cNvSpPr txBox="1"/>
-            <p:nvPr/>
-          </p:nvSpPr>
-          <p:spPr>
-            <a:xfrm>
-              <a:off x="3999611" y="3400816"/>
-              <a:ext cx="1127040" cy="369332"/>
-            </a:xfrm>
-            <a:prstGeom prst="rect">
-              <a:avLst/>
-            </a:prstGeom>
-            <a:noFill/>
-          </p:spPr>
-          <p:txBody>
-            <a:bodyPr wrap="none" rtlCol="0">
-              <a:spAutoFit/>
-            </a:bodyPr>
-            <a:lstStyle/>
-            <a:p>
-              <a:pPr algn="ctr"/>
-              <a:r>
-                <a:rPr lang="en-DE" dirty="0"/>
-                <a:t>Purchases</a:t>
-              </a:r>
-            </a:p>
-          </p:txBody>
-        </p:sp>
-      </p:grpSp>
-      <p:cxnSp>
-        <p:nvCxnSpPr>
-          <p:cNvPr id="55" name="Straight Arrow Connector 54">
-            <a:extLst>
-              <a:ext uri="{FF2B5EF4-FFF2-40B4-BE49-F238E27FC236}">
-                <a16:creationId xmlns:a16="http://schemas.microsoft.com/office/drawing/2014/main" id="{C2D5F678-46CA-D141-FCD6-961066898DD3}"/>
-              </a:ext>
-            </a:extLst>
-          </p:cNvPr>
-          <p:cNvCxnSpPr>
-            <a:cxnSpLocks/>
-            <a:endCxn id="33" idx="1"/>
-          </p:cNvCxnSpPr>
-          <p:nvPr/>
-        </p:nvCxnSpPr>
-        <p:spPr>
-          <a:xfrm flipV="1">
-            <a:off x="1663084" y="3305552"/>
-            <a:ext cx="1107903" cy="602468"/>
-          </a:xfrm>
-          <a:prstGeom prst="straightConnector1">
-            <a:avLst/>
-          </a:prstGeom>
-          <a:ln>
-            <a:tailEnd type="triangle"/>
-          </a:ln>
-        </p:spPr>
-        <p:style>
-          <a:lnRef idx="1">
-            <a:schemeClr val="accent6"/>
-          </a:lnRef>
-          <a:fillRef idx="0">
-            <a:schemeClr val="accent6"/>
-          </a:fillRef>
-          <a:effectRef idx="0">
-            <a:schemeClr val="accent6"/>
-          </a:effectRef>
-          <a:fontRef idx="minor">
-            <a:schemeClr val="tx1"/>
-          </a:fontRef>
-        </p:style>
-      </p:cxnSp>
-      <p:sp>
-        <p:nvSpPr>
-          <p:cNvPr id="57" name="TextBox 56">
-            <a:extLst>
-              <a:ext uri="{FF2B5EF4-FFF2-40B4-BE49-F238E27FC236}">
-                <a16:creationId xmlns:a16="http://schemas.microsoft.com/office/drawing/2014/main" id="{994DE3C7-1643-2F40-91FE-2DD51E9D186D}"/>
-              </a:ext>
-            </a:extLst>
-          </p:cNvPr>
-          <p:cNvSpPr txBox="1"/>
-          <p:nvPr/>
-        </p:nvSpPr>
-        <p:spPr>
-          <a:xfrm>
-            <a:off x="1641025" y="3279980"/>
-            <a:ext cx="672941" cy="307777"/>
-          </a:xfrm>
-          <a:prstGeom prst="rect">
-            <a:avLst/>
-          </a:prstGeom>
-          <a:noFill/>
-        </p:spPr>
-        <p:txBody>
-          <a:bodyPr wrap="none" rtlCol="0">
-            <a:spAutoFit/>
-          </a:bodyPr>
-          <a:lstStyle/>
-          <a:p>
-            <a:r>
-              <a:rPr lang="de-DE" sz="1400" dirty="0" err="1">
-                <a:solidFill>
-                  <a:srgbClr val="92D050"/>
-                </a:solidFill>
-              </a:rPr>
-              <a:t>part</a:t>
-            </a:r>
-            <a:r>
-              <a:rPr lang="de-DE" sz="1400" dirty="0">
-                <a:solidFill>
-                  <a:srgbClr val="92D050"/>
-                </a:solidFill>
-              </a:rPr>
-              <a:t> </a:t>
-            </a:r>
-            <a:r>
-              <a:rPr lang="de-DE" sz="1400" dirty="0" err="1">
-                <a:solidFill>
-                  <a:srgbClr val="92D050"/>
-                </a:solidFill>
-              </a:rPr>
-              <a:t>of</a:t>
-            </a:r>
-            <a:endParaRPr lang="en-DE" sz="1400" dirty="0">
-              <a:solidFill>
-                <a:srgbClr val="92D050"/>
-              </a:solidFill>
-            </a:endParaRPr>
-          </a:p>
-        </p:txBody>
-      </p:sp>
-      <p:grpSp>
-        <p:nvGrpSpPr>
-          <p:cNvPr id="58" name="Group 57">
-            <a:extLst>
-              <a:ext uri="{FF2B5EF4-FFF2-40B4-BE49-F238E27FC236}">
-                <a16:creationId xmlns:a16="http://schemas.microsoft.com/office/drawing/2014/main" id="{5F3B99F4-8B90-75CA-6795-53230B0B02C5}"/>
-              </a:ext>
-            </a:extLst>
-          </p:cNvPr>
-          <p:cNvGrpSpPr/>
-          <p:nvPr/>
-        </p:nvGrpSpPr>
-        <p:grpSpPr>
-          <a:xfrm>
-            <a:off x="10904535" y="307412"/>
-            <a:ext cx="991746" cy="926741"/>
-            <a:chOff x="4067254" y="2843407"/>
-            <a:chExt cx="991746" cy="926741"/>
-          </a:xfrm>
-        </p:grpSpPr>
-        <p:pic>
-          <p:nvPicPr>
-            <p:cNvPr id="59" name="Graphic 58" descr="Tropical scene with solid fill">
-              <a:extLst>
-                <a:ext uri="{FF2B5EF4-FFF2-40B4-BE49-F238E27FC236}">
-                  <a16:creationId xmlns:a16="http://schemas.microsoft.com/office/drawing/2014/main" id="{80109191-15DD-4941-0AC3-AEBDC04B9BBF}"/>
-                </a:ext>
-              </a:extLst>
-            </p:cNvPr>
-            <p:cNvPicPr>
-              <a:picLocks noChangeAspect="1"/>
-            </p:cNvPicPr>
-            <p:nvPr/>
-          </p:nvPicPr>
-          <p:blipFill>
-            <a:blip r:embed="rId13">
-              <a:extLst>
-                <a:ext uri="{96DAC541-7B7A-43D3-8B79-37D633B846F1}">
-                  <asvg:svgBlip xmlns:asvg="http://schemas.microsoft.com/office/drawing/2016/SVG/main" r:embed="rId14"/>
-                </a:ext>
-              </a:extLst>
-            </a:blip>
-            <a:srcRect/>
-            <a:stretch/>
-          </p:blipFill>
-          <p:spPr>
-            <a:xfrm>
-              <a:off x="4298515" y="2843407"/>
-              <a:ext cx="529225" cy="529225"/>
-            </a:xfrm>
-            <a:prstGeom prst="rect">
-              <a:avLst/>
-            </a:prstGeom>
-          </p:spPr>
-        </p:pic>
-        <p:sp>
-          <p:nvSpPr>
-            <p:cNvPr id="60" name="TextBox 59">
-              <a:extLst>
-                <a:ext uri="{FF2B5EF4-FFF2-40B4-BE49-F238E27FC236}">
-                  <a16:creationId xmlns:a16="http://schemas.microsoft.com/office/drawing/2014/main" id="{AC966913-6DCB-6575-4A05-1C450D7DCAB7}"/>
-                </a:ext>
-              </a:extLst>
-            </p:cNvPr>
-            <p:cNvSpPr txBox="1"/>
-            <p:nvPr/>
-          </p:nvSpPr>
-          <p:spPr>
-            <a:xfrm>
-              <a:off x="4067254" y="3400816"/>
-              <a:ext cx="991746" cy="369332"/>
-            </a:xfrm>
-            <a:prstGeom prst="rect">
-              <a:avLst/>
-            </a:prstGeom>
-            <a:noFill/>
-          </p:spPr>
-          <p:txBody>
-            <a:bodyPr wrap="none" rtlCol="0">
-              <a:spAutoFit/>
-            </a:bodyPr>
-            <a:lstStyle/>
-            <a:p>
-              <a:pPr algn="ctr"/>
-              <a:r>
-                <a:rPr lang="en-DE" dirty="0"/>
-                <a:t>Vacation</a:t>
-              </a:r>
-            </a:p>
-          </p:txBody>
-        </p:sp>
-      </p:grpSp>
-      <p:grpSp>
-        <p:nvGrpSpPr>
-          <p:cNvPr id="61" name="Group 60">
-            <a:extLst>
-              <a:ext uri="{FF2B5EF4-FFF2-40B4-BE49-F238E27FC236}">
-                <a16:creationId xmlns:a16="http://schemas.microsoft.com/office/drawing/2014/main" id="{C0B47DEA-B703-A99B-58E0-3C9B25684048}"/>
-              </a:ext>
-            </a:extLst>
-          </p:cNvPr>
-          <p:cNvGrpSpPr/>
-          <p:nvPr/>
-        </p:nvGrpSpPr>
-        <p:grpSpPr>
-          <a:xfrm>
-            <a:off x="6348020" y="1730158"/>
-            <a:ext cx="3574789" cy="960095"/>
-            <a:chOff x="3914840" y="1295494"/>
-            <a:chExt cx="3574789" cy="960095"/>
-          </a:xfrm>
-        </p:grpSpPr>
-        <p:cxnSp>
-          <p:nvCxnSpPr>
-            <p:cNvPr id="62" name="Straight Arrow Connector 61">
-              <a:extLst>
-                <a:ext uri="{FF2B5EF4-FFF2-40B4-BE49-F238E27FC236}">
-                  <a16:creationId xmlns:a16="http://schemas.microsoft.com/office/drawing/2014/main" id="{999F7485-354E-BBAB-C773-42E101E14C96}"/>
-                </a:ext>
-              </a:extLst>
-            </p:cNvPr>
-            <p:cNvCxnSpPr>
-              <a:cxnSpLocks/>
-            </p:cNvCxnSpPr>
-            <p:nvPr/>
-          </p:nvCxnSpPr>
-          <p:spPr>
-            <a:xfrm>
-              <a:off x="3914840" y="1295494"/>
-              <a:ext cx="3574789" cy="960095"/>
-            </a:xfrm>
-            <a:prstGeom prst="straightConnector1">
-              <a:avLst/>
-            </a:prstGeom>
-            <a:ln>
-              <a:tailEnd type="triangle"/>
-            </a:ln>
-          </p:spPr>
-          <p:style>
-            <a:lnRef idx="1">
-              <a:schemeClr val="accent1"/>
-            </a:lnRef>
-            <a:fillRef idx="0">
-              <a:schemeClr val="accent1"/>
-            </a:fillRef>
-            <a:effectRef idx="0">
-              <a:schemeClr val="accent1"/>
-            </a:effectRef>
-            <a:fontRef idx="minor">
-              <a:schemeClr val="tx1"/>
-            </a:fontRef>
-          </p:style>
-        </p:cxnSp>
-        <p:sp>
-          <p:nvSpPr>
-            <p:cNvPr id="63" name="TextBox 62">
-              <a:extLst>
-                <a:ext uri="{FF2B5EF4-FFF2-40B4-BE49-F238E27FC236}">
-                  <a16:creationId xmlns:a16="http://schemas.microsoft.com/office/drawing/2014/main" id="{73644A6F-415F-3201-1F3A-8BF3B06E1DF8}"/>
-                </a:ext>
-              </a:extLst>
-            </p:cNvPr>
-            <p:cNvSpPr txBox="1"/>
-            <p:nvPr/>
-          </p:nvSpPr>
-          <p:spPr>
-            <a:xfrm>
-              <a:off x="6203194" y="1561563"/>
-              <a:ext cx="704680" cy="307777"/>
+              <a:off x="1225991" y="2438722"/>
+              <a:ext cx="570990" cy="307777"/>
             </a:xfrm>
             <a:prstGeom prst="rect">
               <a:avLst/>
@@ -5013,897 +5911,20 @@
               <a:r>
                 <a:rPr lang="de-DE" sz="1400" dirty="0" err="1">
                   <a:solidFill>
-                    <a:srgbClr val="0070C0"/>
+                    <a:srgbClr val="92D050"/>
                   </a:solidFill>
                 </a:rPr>
-                <a:t>sets</a:t>
-              </a:r>
-              <a:r>
-                <a:rPr lang="de-DE" sz="1400" dirty="0">
-                  <a:solidFill>
-                    <a:srgbClr val="0070C0"/>
-                  </a:solidFill>
-                </a:rPr>
-                <a:t> </a:t>
-              </a:r>
-              <a:r>
-                <a:rPr lang="de-DE" sz="1400" dirty="0" err="1">
-                  <a:solidFill>
-                    <a:srgbClr val="0070C0"/>
-                  </a:solidFill>
-                </a:rPr>
-                <a:t>up</a:t>
+                <a:t>input</a:t>
               </a:r>
               <a:endParaRPr lang="en-DE" sz="1400" dirty="0">
                 <a:solidFill>
-                  <a:srgbClr val="0070C0"/>
+                  <a:srgbClr val="92D050"/>
                 </a:solidFill>
               </a:endParaRPr>
             </a:p>
           </p:txBody>
         </p:sp>
       </p:grpSp>
-      <p:grpSp>
-        <p:nvGrpSpPr>
-          <p:cNvPr id="66" name="Group 65">
-            <a:extLst>
-              <a:ext uri="{FF2B5EF4-FFF2-40B4-BE49-F238E27FC236}">
-                <a16:creationId xmlns:a16="http://schemas.microsoft.com/office/drawing/2014/main" id="{577B8270-FEF1-6F03-EAEB-429911B86406}"/>
-              </a:ext>
-            </a:extLst>
-          </p:cNvPr>
-          <p:cNvGrpSpPr/>
-          <p:nvPr/>
-        </p:nvGrpSpPr>
-        <p:grpSpPr>
-          <a:xfrm>
-            <a:off x="9630036" y="2471649"/>
-            <a:ext cx="1359026" cy="926741"/>
-            <a:chOff x="3883617" y="2843407"/>
-            <a:chExt cx="1359026" cy="926741"/>
-          </a:xfrm>
-        </p:grpSpPr>
-        <p:pic>
-          <p:nvPicPr>
-            <p:cNvPr id="67" name="Graphic 66" descr="Piggy Bank with solid fill">
-              <a:extLst>
-                <a:ext uri="{FF2B5EF4-FFF2-40B4-BE49-F238E27FC236}">
-                  <a16:creationId xmlns:a16="http://schemas.microsoft.com/office/drawing/2014/main" id="{88825EC2-FA19-CC2E-9F5D-0FE294EDB940}"/>
-                </a:ext>
-              </a:extLst>
-            </p:cNvPr>
-            <p:cNvPicPr>
-              <a:picLocks noChangeAspect="1"/>
-            </p:cNvPicPr>
-            <p:nvPr/>
-          </p:nvPicPr>
-          <p:blipFill>
-            <a:blip r:embed="rId15">
-              <a:extLst>
-                <a:ext uri="{96DAC541-7B7A-43D3-8B79-37D633B846F1}">
-                  <asvg:svgBlip xmlns:asvg="http://schemas.microsoft.com/office/drawing/2016/SVG/main" r:embed="rId16"/>
-                </a:ext>
-              </a:extLst>
-            </a:blip>
-            <a:srcRect/>
-            <a:stretch/>
-          </p:blipFill>
-          <p:spPr>
-            <a:xfrm>
-              <a:off x="4298515" y="2843407"/>
-              <a:ext cx="529225" cy="529225"/>
-            </a:xfrm>
-            <a:prstGeom prst="rect">
-              <a:avLst/>
-            </a:prstGeom>
-          </p:spPr>
-        </p:pic>
-        <p:sp>
-          <p:nvSpPr>
-            <p:cNvPr id="68" name="TextBox 67">
-              <a:extLst>
-                <a:ext uri="{FF2B5EF4-FFF2-40B4-BE49-F238E27FC236}">
-                  <a16:creationId xmlns:a16="http://schemas.microsoft.com/office/drawing/2014/main" id="{4E1764F0-11FB-5E2F-41E2-E98C1D40E8A7}"/>
-                </a:ext>
-              </a:extLst>
-            </p:cNvPr>
-            <p:cNvSpPr txBox="1"/>
-            <p:nvPr/>
-          </p:nvSpPr>
-          <p:spPr>
-            <a:xfrm>
-              <a:off x="3883617" y="3400816"/>
-              <a:ext cx="1359026" cy="369332"/>
-            </a:xfrm>
-            <a:prstGeom prst="rect">
-              <a:avLst/>
-            </a:prstGeom>
-            <a:noFill/>
-          </p:spPr>
-          <p:txBody>
-            <a:bodyPr wrap="none" rtlCol="0">
-              <a:spAutoFit/>
-            </a:bodyPr>
-            <a:lstStyle/>
-            <a:p>
-              <a:pPr algn="ctr"/>
-              <a:r>
-                <a:rPr lang="en-DE" dirty="0"/>
-                <a:t>Savings Goal</a:t>
-              </a:r>
-            </a:p>
-          </p:txBody>
-        </p:sp>
-      </p:grpSp>
-      <p:cxnSp>
-        <p:nvCxnSpPr>
-          <p:cNvPr id="69" name="Straight Arrow Connector 68">
-            <a:extLst>
-              <a:ext uri="{FF2B5EF4-FFF2-40B4-BE49-F238E27FC236}">
-                <a16:creationId xmlns:a16="http://schemas.microsoft.com/office/drawing/2014/main" id="{F3E8E91F-7487-4F7D-2673-9F6093022FEE}"/>
-              </a:ext>
-            </a:extLst>
-          </p:cNvPr>
-          <p:cNvCxnSpPr>
-            <a:cxnSpLocks/>
-            <a:stCxn id="67" idx="0"/>
-            <a:endCxn id="60" idx="2"/>
-          </p:cNvCxnSpPr>
-          <p:nvPr/>
-        </p:nvCxnSpPr>
-        <p:spPr>
-          <a:xfrm flipV="1">
-            <a:off x="10309547" y="1234153"/>
-            <a:ext cx="1090861" cy="1237496"/>
-          </a:xfrm>
-          <a:prstGeom prst="straightConnector1">
-            <a:avLst/>
-          </a:prstGeom>
-          <a:ln>
-            <a:tailEnd type="triangle"/>
-          </a:ln>
-        </p:spPr>
-        <p:style>
-          <a:lnRef idx="1">
-            <a:schemeClr val="accent6"/>
-          </a:lnRef>
-          <a:fillRef idx="0">
-            <a:schemeClr val="accent6"/>
-          </a:fillRef>
-          <a:effectRef idx="0">
-            <a:schemeClr val="accent6"/>
-          </a:effectRef>
-          <a:fontRef idx="minor">
-            <a:schemeClr val="tx1"/>
-          </a:fontRef>
-        </p:style>
-      </p:cxnSp>
-      <p:sp>
-        <p:nvSpPr>
-          <p:cNvPr id="73" name="TextBox 72">
-            <a:extLst>
-              <a:ext uri="{FF2B5EF4-FFF2-40B4-BE49-F238E27FC236}">
-                <a16:creationId xmlns:a16="http://schemas.microsoft.com/office/drawing/2014/main" id="{95D4B463-B8F8-BC34-A5D0-8FDC7A235BFA}"/>
-              </a:ext>
-            </a:extLst>
-          </p:cNvPr>
-          <p:cNvSpPr txBox="1"/>
-          <p:nvPr/>
-        </p:nvSpPr>
-        <p:spPr>
-          <a:xfrm>
-            <a:off x="9977609" y="1594651"/>
-            <a:ext cx="773481" cy="307777"/>
-          </a:xfrm>
-          <a:prstGeom prst="rect">
-            <a:avLst/>
-          </a:prstGeom>
-          <a:noFill/>
-        </p:spPr>
-        <p:txBody>
-          <a:bodyPr wrap="none" rtlCol="0">
-            <a:spAutoFit/>
-          </a:bodyPr>
-          <a:lstStyle/>
-          <a:p>
-            <a:r>
-              <a:rPr lang="de-DE" sz="1400" dirty="0" err="1">
-                <a:solidFill>
-                  <a:srgbClr val="92D050"/>
-                </a:solidFill>
-              </a:rPr>
-              <a:t>to</a:t>
-            </a:r>
-            <a:r>
-              <a:rPr lang="de-DE" sz="1400" dirty="0">
-                <a:solidFill>
-                  <a:srgbClr val="92D050"/>
-                </a:solidFill>
-              </a:rPr>
-              <a:t> </a:t>
-            </a:r>
-            <a:r>
-              <a:rPr lang="de-DE" sz="1400" dirty="0" err="1">
-                <a:solidFill>
-                  <a:srgbClr val="92D050"/>
-                </a:solidFill>
-              </a:rPr>
-              <a:t>make</a:t>
-            </a:r>
-            <a:endParaRPr lang="en-DE" sz="1400" dirty="0">
-              <a:solidFill>
-                <a:srgbClr val="92D050"/>
-              </a:solidFill>
-            </a:endParaRPr>
-          </a:p>
-        </p:txBody>
-      </p:sp>
-      <p:cxnSp>
-        <p:nvCxnSpPr>
-          <p:cNvPr id="78" name="Elbow Connector 77">
-            <a:extLst>
-              <a:ext uri="{FF2B5EF4-FFF2-40B4-BE49-F238E27FC236}">
-                <a16:creationId xmlns:a16="http://schemas.microsoft.com/office/drawing/2014/main" id="{9DCA314C-887A-067E-13F5-969DC4D092DA}"/>
-              </a:ext>
-            </a:extLst>
-          </p:cNvPr>
-          <p:cNvCxnSpPr>
-            <a:stCxn id="68" idx="2"/>
-            <a:endCxn id="23" idx="3"/>
-          </p:cNvCxnSpPr>
-          <p:nvPr/>
-        </p:nvCxnSpPr>
-        <p:spPr>
-          <a:xfrm rot="5400000">
-            <a:off x="7106792" y="1370469"/>
-            <a:ext cx="1174837" cy="5230678"/>
-          </a:xfrm>
-          <a:prstGeom prst="bentConnector2">
-            <a:avLst/>
-          </a:prstGeom>
-          <a:ln>
-            <a:tailEnd type="triangle"/>
-          </a:ln>
-        </p:spPr>
-        <p:style>
-          <a:lnRef idx="1">
-            <a:schemeClr val="accent6"/>
-          </a:lnRef>
-          <a:fillRef idx="0">
-            <a:schemeClr val="accent6"/>
-          </a:fillRef>
-          <a:effectRef idx="0">
-            <a:schemeClr val="accent6"/>
-          </a:effectRef>
-          <a:fontRef idx="minor">
-            <a:schemeClr val="tx1"/>
-          </a:fontRef>
-        </p:style>
-      </p:cxnSp>
-      <p:sp>
-        <p:nvSpPr>
-          <p:cNvPr id="79" name="TextBox 78">
-            <a:extLst>
-              <a:ext uri="{FF2B5EF4-FFF2-40B4-BE49-F238E27FC236}">
-                <a16:creationId xmlns:a16="http://schemas.microsoft.com/office/drawing/2014/main" id="{E2F5C5EE-B433-9A10-2432-8C06C32377AD}"/>
-              </a:ext>
-            </a:extLst>
-          </p:cNvPr>
-          <p:cNvSpPr txBox="1"/>
-          <p:nvPr/>
-        </p:nvSpPr>
-        <p:spPr>
-          <a:xfrm>
-            <a:off x="6953261" y="4882707"/>
-            <a:ext cx="922817" cy="307777"/>
-          </a:xfrm>
-          <a:prstGeom prst="rect">
-            <a:avLst/>
-          </a:prstGeom>
-          <a:noFill/>
-        </p:spPr>
-        <p:txBody>
-          <a:bodyPr wrap="none" rtlCol="0">
-            <a:spAutoFit/>
-          </a:bodyPr>
-          <a:lstStyle/>
-          <a:p>
-            <a:r>
-              <a:rPr lang="de-DE" sz="1400" dirty="0" err="1">
-                <a:solidFill>
-                  <a:srgbClr val="92D050"/>
-                </a:solidFill>
-              </a:rPr>
-              <a:t>budgeting</a:t>
-            </a:r>
-            <a:endParaRPr lang="en-DE" sz="1400" dirty="0">
-              <a:solidFill>
-                <a:srgbClr val="92D050"/>
-              </a:solidFill>
-            </a:endParaRPr>
-          </a:p>
-        </p:txBody>
-      </p:sp>
-      <p:grpSp>
-        <p:nvGrpSpPr>
-          <p:cNvPr id="80" name="Group 79">
-            <a:extLst>
-              <a:ext uri="{FF2B5EF4-FFF2-40B4-BE49-F238E27FC236}">
-                <a16:creationId xmlns:a16="http://schemas.microsoft.com/office/drawing/2014/main" id="{1CC54CC0-6295-09E7-27FC-4C8626208105}"/>
-              </a:ext>
-            </a:extLst>
-          </p:cNvPr>
-          <p:cNvGrpSpPr/>
-          <p:nvPr/>
-        </p:nvGrpSpPr>
-        <p:grpSpPr>
-          <a:xfrm>
-            <a:off x="8328541" y="3839485"/>
-            <a:ext cx="1358065" cy="926741"/>
-            <a:chOff x="3884101" y="2843407"/>
-            <a:chExt cx="1358065" cy="926741"/>
-          </a:xfrm>
-        </p:grpSpPr>
-        <p:pic>
-          <p:nvPicPr>
-            <p:cNvPr id="81" name="Graphic 80" descr="Statistics outline">
-              <a:extLst>
-                <a:ext uri="{FF2B5EF4-FFF2-40B4-BE49-F238E27FC236}">
-                  <a16:creationId xmlns:a16="http://schemas.microsoft.com/office/drawing/2014/main" id="{A710F35F-025D-2831-BD58-9706FF3EBD60}"/>
-                </a:ext>
-              </a:extLst>
-            </p:cNvPr>
-            <p:cNvPicPr>
-              <a:picLocks noChangeAspect="1"/>
-            </p:cNvPicPr>
-            <p:nvPr/>
-          </p:nvPicPr>
-          <p:blipFill>
-            <a:blip r:embed="rId17">
-              <a:extLst>
-                <a:ext uri="{96DAC541-7B7A-43D3-8B79-37D633B846F1}">
-                  <asvg:svgBlip xmlns:asvg="http://schemas.microsoft.com/office/drawing/2016/SVG/main" r:embed="rId18"/>
-                </a:ext>
-              </a:extLst>
-            </a:blip>
-            <a:srcRect/>
-            <a:stretch/>
-          </p:blipFill>
-          <p:spPr>
-            <a:xfrm>
-              <a:off x="4298515" y="2843407"/>
-              <a:ext cx="529225" cy="529225"/>
-            </a:xfrm>
-            <a:prstGeom prst="rect">
-              <a:avLst/>
-            </a:prstGeom>
-          </p:spPr>
-        </p:pic>
-        <p:sp>
-          <p:nvSpPr>
-            <p:cNvPr id="82" name="TextBox 81">
-              <a:extLst>
-                <a:ext uri="{FF2B5EF4-FFF2-40B4-BE49-F238E27FC236}">
-                  <a16:creationId xmlns:a16="http://schemas.microsoft.com/office/drawing/2014/main" id="{0779D125-87A3-6A56-4138-1806FF2EB3AE}"/>
-                </a:ext>
-              </a:extLst>
-            </p:cNvPr>
-            <p:cNvSpPr txBox="1"/>
-            <p:nvPr/>
-          </p:nvSpPr>
-          <p:spPr>
-            <a:xfrm>
-              <a:off x="3884101" y="3400816"/>
-              <a:ext cx="1358065" cy="369332"/>
-            </a:xfrm>
-            <a:prstGeom prst="rect">
-              <a:avLst/>
-            </a:prstGeom>
-            <a:solidFill>
-              <a:schemeClr val="bg1"/>
-            </a:solidFill>
-            <a:ln>
-              <a:solidFill>
-                <a:srgbClr val="92D050"/>
-              </a:solidFill>
-            </a:ln>
-          </p:spPr>
-          <p:txBody>
-            <a:bodyPr wrap="none" rtlCol="0">
-              <a:spAutoFit/>
-            </a:bodyPr>
-            <a:lstStyle/>
-            <a:p>
-              <a:pPr algn="ctr"/>
-              <a:r>
-                <a:rPr lang="en-DE" dirty="0"/>
-                <a:t>Data Analyst</a:t>
-              </a:r>
-            </a:p>
-          </p:txBody>
-        </p:sp>
-      </p:grpSp>
-      <p:cxnSp>
-        <p:nvCxnSpPr>
-          <p:cNvPr id="83" name="Elbow Connector 82">
-            <a:extLst>
-              <a:ext uri="{FF2B5EF4-FFF2-40B4-BE49-F238E27FC236}">
-                <a16:creationId xmlns:a16="http://schemas.microsoft.com/office/drawing/2014/main" id="{C680F504-F621-AECE-A7B4-FC4E284D3CB5}"/>
-              </a:ext>
-            </a:extLst>
-          </p:cNvPr>
-          <p:cNvCxnSpPr>
-            <a:cxnSpLocks/>
-            <a:stCxn id="54" idx="2"/>
-            <a:endCxn id="82" idx="2"/>
-          </p:cNvCxnSpPr>
-          <p:nvPr/>
-        </p:nvCxnSpPr>
-        <p:spPr>
-          <a:xfrm rot="16200000" flipH="1">
-            <a:off x="5135849" y="894501"/>
-            <a:ext cx="49440" cy="7694010"/>
-          </a:xfrm>
-          <a:prstGeom prst="bentConnector3">
-            <a:avLst>
-              <a:gd name="adj1" fmla="val 1512472"/>
-            </a:avLst>
-          </a:prstGeom>
-          <a:ln>
-            <a:tailEnd type="triangle"/>
-          </a:ln>
-        </p:spPr>
-        <p:style>
-          <a:lnRef idx="1">
-            <a:schemeClr val="accent6"/>
-          </a:lnRef>
-          <a:fillRef idx="0">
-            <a:schemeClr val="accent6"/>
-          </a:fillRef>
-          <a:effectRef idx="0">
-            <a:schemeClr val="accent6"/>
-          </a:effectRef>
-          <a:fontRef idx="minor">
-            <a:schemeClr val="tx1"/>
-          </a:fontRef>
-        </p:style>
-      </p:cxnSp>
-      <p:grpSp>
-        <p:nvGrpSpPr>
-          <p:cNvPr id="87" name="Group 86">
-            <a:extLst>
-              <a:ext uri="{FF2B5EF4-FFF2-40B4-BE49-F238E27FC236}">
-                <a16:creationId xmlns:a16="http://schemas.microsoft.com/office/drawing/2014/main" id="{DBD796D3-68FA-CB38-55F5-CA048526EE47}"/>
-              </a:ext>
-            </a:extLst>
-          </p:cNvPr>
-          <p:cNvGrpSpPr/>
-          <p:nvPr/>
-        </p:nvGrpSpPr>
-        <p:grpSpPr>
-          <a:xfrm>
-            <a:off x="10786164" y="5238856"/>
-            <a:ext cx="821828" cy="926741"/>
-            <a:chOff x="4152217" y="2843407"/>
-            <a:chExt cx="821828" cy="926741"/>
-          </a:xfrm>
-        </p:grpSpPr>
-        <p:pic>
-          <p:nvPicPr>
-            <p:cNvPr id="88" name="Graphic 87" descr="Document with solid fill">
-              <a:extLst>
-                <a:ext uri="{FF2B5EF4-FFF2-40B4-BE49-F238E27FC236}">
-                  <a16:creationId xmlns:a16="http://schemas.microsoft.com/office/drawing/2014/main" id="{AAFFA56F-E4F9-2AEC-3B2D-8B8ADD48ECBF}"/>
-                </a:ext>
-              </a:extLst>
-            </p:cNvPr>
-            <p:cNvPicPr>
-              <a:picLocks noChangeAspect="1"/>
-            </p:cNvPicPr>
-            <p:nvPr/>
-          </p:nvPicPr>
-          <p:blipFill>
-            <a:blip r:embed="rId19">
-              <a:extLst>
-                <a:ext uri="{96DAC541-7B7A-43D3-8B79-37D633B846F1}">
-                  <asvg:svgBlip xmlns:asvg="http://schemas.microsoft.com/office/drawing/2016/SVG/main" r:embed="rId20"/>
-                </a:ext>
-              </a:extLst>
-            </a:blip>
-            <a:srcRect/>
-            <a:stretch/>
-          </p:blipFill>
-          <p:spPr>
-            <a:xfrm>
-              <a:off x="4298515" y="2843407"/>
-              <a:ext cx="529225" cy="529225"/>
-            </a:xfrm>
-            <a:prstGeom prst="rect">
-              <a:avLst/>
-            </a:prstGeom>
-          </p:spPr>
-        </p:pic>
-        <p:sp>
-          <p:nvSpPr>
-            <p:cNvPr id="89" name="TextBox 88">
-              <a:extLst>
-                <a:ext uri="{FF2B5EF4-FFF2-40B4-BE49-F238E27FC236}">
-                  <a16:creationId xmlns:a16="http://schemas.microsoft.com/office/drawing/2014/main" id="{0A5CCE05-574D-A49A-E154-5FFA1CF19C96}"/>
-                </a:ext>
-              </a:extLst>
-            </p:cNvPr>
-            <p:cNvSpPr txBox="1"/>
-            <p:nvPr/>
-          </p:nvSpPr>
-          <p:spPr>
-            <a:xfrm>
-              <a:off x="4152217" y="3400816"/>
-              <a:ext cx="821828" cy="369332"/>
-            </a:xfrm>
-            <a:prstGeom prst="rect">
-              <a:avLst/>
-            </a:prstGeom>
-            <a:noFill/>
-          </p:spPr>
-          <p:txBody>
-            <a:bodyPr wrap="none" rtlCol="0">
-              <a:spAutoFit/>
-            </a:bodyPr>
-            <a:lstStyle/>
-            <a:p>
-              <a:pPr algn="ctr"/>
-              <a:r>
-                <a:rPr lang="en-DE" dirty="0"/>
-                <a:t>Report</a:t>
-              </a:r>
-            </a:p>
-          </p:txBody>
-        </p:sp>
-      </p:grpSp>
-      <p:cxnSp>
-        <p:nvCxnSpPr>
-          <p:cNvPr id="90" name="Straight Arrow Connector 89">
-            <a:extLst>
-              <a:ext uri="{FF2B5EF4-FFF2-40B4-BE49-F238E27FC236}">
-                <a16:creationId xmlns:a16="http://schemas.microsoft.com/office/drawing/2014/main" id="{E39E3F9C-127A-771E-6E9D-F4DDC8040A79}"/>
-              </a:ext>
-            </a:extLst>
-          </p:cNvPr>
-          <p:cNvCxnSpPr>
-            <a:cxnSpLocks/>
-            <a:endCxn id="89" idx="1"/>
-          </p:cNvCxnSpPr>
-          <p:nvPr/>
-        </p:nvCxnSpPr>
-        <p:spPr>
-          <a:xfrm>
-            <a:off x="9444625" y="4766226"/>
-            <a:ext cx="1341539" cy="1214705"/>
-          </a:xfrm>
-          <a:prstGeom prst="straightConnector1">
-            <a:avLst/>
-          </a:prstGeom>
-          <a:ln>
-            <a:tailEnd type="triangle"/>
-          </a:ln>
-        </p:spPr>
-        <p:style>
-          <a:lnRef idx="1">
-            <a:schemeClr val="accent6"/>
-          </a:lnRef>
-          <a:fillRef idx="0">
-            <a:schemeClr val="accent6"/>
-          </a:fillRef>
-          <a:effectRef idx="0">
-            <a:schemeClr val="accent6"/>
-          </a:effectRef>
-          <a:fontRef idx="minor">
-            <a:schemeClr val="tx1"/>
-          </a:fontRef>
-        </p:style>
-      </p:cxnSp>
-      <p:sp>
-        <p:nvSpPr>
-          <p:cNvPr id="93" name="TextBox 92">
-            <a:extLst>
-              <a:ext uri="{FF2B5EF4-FFF2-40B4-BE49-F238E27FC236}">
-                <a16:creationId xmlns:a16="http://schemas.microsoft.com/office/drawing/2014/main" id="{16177FC0-449C-5407-1CA9-639AF359E053}"/>
-              </a:ext>
-            </a:extLst>
-          </p:cNvPr>
-          <p:cNvSpPr txBox="1"/>
-          <p:nvPr/>
-        </p:nvSpPr>
-        <p:spPr>
-          <a:xfrm>
-            <a:off x="9444625" y="5571731"/>
-            <a:ext cx="905312" cy="307777"/>
-          </a:xfrm>
-          <a:prstGeom prst="rect">
-            <a:avLst/>
-          </a:prstGeom>
-          <a:noFill/>
-        </p:spPr>
-        <p:txBody>
-          <a:bodyPr wrap="none" rtlCol="0">
-            <a:spAutoFit/>
-          </a:bodyPr>
-          <a:lstStyle/>
-          <a:p>
-            <a:r>
-              <a:rPr lang="de-DE" sz="1400" dirty="0" err="1">
-                <a:solidFill>
-                  <a:srgbClr val="92D050"/>
-                </a:solidFill>
-              </a:rPr>
-              <a:t>generates</a:t>
-            </a:r>
-            <a:endParaRPr lang="en-DE" sz="1400" dirty="0">
-              <a:solidFill>
-                <a:srgbClr val="92D050"/>
-              </a:solidFill>
-            </a:endParaRPr>
-          </a:p>
-        </p:txBody>
-      </p:sp>
-      <p:grpSp>
-        <p:nvGrpSpPr>
-          <p:cNvPr id="101" name="Group 100">
-            <a:extLst>
-              <a:ext uri="{FF2B5EF4-FFF2-40B4-BE49-F238E27FC236}">
-                <a16:creationId xmlns:a16="http://schemas.microsoft.com/office/drawing/2014/main" id="{AEA8E97B-4A93-C4EE-A12C-A9E617B5B337}"/>
-              </a:ext>
-            </a:extLst>
-          </p:cNvPr>
-          <p:cNvGrpSpPr/>
-          <p:nvPr/>
-        </p:nvGrpSpPr>
-        <p:grpSpPr>
-          <a:xfrm>
-            <a:off x="1866508" y="1359273"/>
-            <a:ext cx="904479" cy="926741"/>
-            <a:chOff x="4110891" y="2843407"/>
-            <a:chExt cx="904479" cy="926741"/>
-          </a:xfrm>
-        </p:grpSpPr>
-        <p:pic>
-          <p:nvPicPr>
-            <p:cNvPr id="102" name="Graphic 101" descr="Camera with solid fill">
-              <a:extLst>
-                <a:ext uri="{FF2B5EF4-FFF2-40B4-BE49-F238E27FC236}">
-                  <a16:creationId xmlns:a16="http://schemas.microsoft.com/office/drawing/2014/main" id="{EF95F15D-4E89-A0C2-9155-D811490B3587}"/>
-                </a:ext>
-              </a:extLst>
-            </p:cNvPr>
-            <p:cNvPicPr>
-              <a:picLocks noChangeAspect="1"/>
-            </p:cNvPicPr>
-            <p:nvPr/>
-          </p:nvPicPr>
-          <p:blipFill>
-            <a:blip r:embed="rId21">
-              <a:extLst>
-                <a:ext uri="{96DAC541-7B7A-43D3-8B79-37D633B846F1}">
-                  <asvg:svgBlip xmlns:asvg="http://schemas.microsoft.com/office/drawing/2016/SVG/main" r:embed="rId22"/>
-                </a:ext>
-              </a:extLst>
-            </a:blip>
-            <a:srcRect/>
-            <a:stretch/>
-          </p:blipFill>
-          <p:spPr>
-            <a:xfrm>
-              <a:off x="4298515" y="2843407"/>
-              <a:ext cx="529225" cy="529225"/>
-            </a:xfrm>
-            <a:prstGeom prst="rect">
-              <a:avLst/>
-            </a:prstGeom>
-          </p:spPr>
-        </p:pic>
-        <p:sp>
-          <p:nvSpPr>
-            <p:cNvPr id="103" name="TextBox 102">
-              <a:extLst>
-                <a:ext uri="{FF2B5EF4-FFF2-40B4-BE49-F238E27FC236}">
-                  <a16:creationId xmlns:a16="http://schemas.microsoft.com/office/drawing/2014/main" id="{45C2F41F-1C73-6732-4BE8-5975FBC3C256}"/>
-                </a:ext>
-              </a:extLst>
-            </p:cNvPr>
-            <p:cNvSpPr txBox="1"/>
-            <p:nvPr/>
-          </p:nvSpPr>
-          <p:spPr>
-            <a:xfrm>
-              <a:off x="4110891" y="3400816"/>
-              <a:ext cx="904479" cy="369332"/>
-            </a:xfrm>
-            <a:prstGeom prst="rect">
-              <a:avLst/>
-            </a:prstGeom>
-            <a:noFill/>
-          </p:spPr>
-          <p:txBody>
-            <a:bodyPr wrap="none" rtlCol="0">
-              <a:spAutoFit/>
-            </a:bodyPr>
-            <a:lstStyle/>
-            <a:p>
-              <a:pPr algn="ctr"/>
-              <a:r>
-                <a:rPr lang="en-DE" dirty="0"/>
-                <a:t>Camera</a:t>
-              </a:r>
-            </a:p>
-          </p:txBody>
-        </p:sp>
-      </p:grpSp>
-      <p:cxnSp>
-        <p:nvCxnSpPr>
-          <p:cNvPr id="104" name="Straight Arrow Connector 103">
-            <a:extLst>
-              <a:ext uri="{FF2B5EF4-FFF2-40B4-BE49-F238E27FC236}">
-                <a16:creationId xmlns:a16="http://schemas.microsoft.com/office/drawing/2014/main" id="{C93124D1-D408-0DCC-443A-289479FA14DA}"/>
-              </a:ext>
-            </a:extLst>
-          </p:cNvPr>
-          <p:cNvCxnSpPr>
-            <a:cxnSpLocks/>
-          </p:cNvCxnSpPr>
-          <p:nvPr/>
-        </p:nvCxnSpPr>
-        <p:spPr>
-          <a:xfrm flipH="1" flipV="1">
-            <a:off x="2699973" y="1701024"/>
-            <a:ext cx="3116527" cy="40831"/>
-          </a:xfrm>
-          <a:prstGeom prst="straightConnector1">
-            <a:avLst/>
-          </a:prstGeom>
-          <a:ln>
-            <a:tailEnd type="triangle"/>
-          </a:ln>
-        </p:spPr>
-        <p:style>
-          <a:lnRef idx="1">
-            <a:schemeClr val="accent1"/>
-          </a:lnRef>
-          <a:fillRef idx="0">
-            <a:schemeClr val="accent1"/>
-          </a:fillRef>
-          <a:effectRef idx="0">
-            <a:schemeClr val="accent1"/>
-          </a:effectRef>
-          <a:fontRef idx="minor">
-            <a:schemeClr val="tx1"/>
-          </a:fontRef>
-        </p:style>
-      </p:cxnSp>
-      <p:sp>
-        <p:nvSpPr>
-          <p:cNvPr id="107" name="TextBox 106">
-            <a:extLst>
-              <a:ext uri="{FF2B5EF4-FFF2-40B4-BE49-F238E27FC236}">
-                <a16:creationId xmlns:a16="http://schemas.microsoft.com/office/drawing/2014/main" id="{7F4765A1-C8E8-02CA-FD34-E43FD6B16FD6}"/>
-              </a:ext>
-            </a:extLst>
-          </p:cNvPr>
-          <p:cNvSpPr txBox="1"/>
-          <p:nvPr/>
-        </p:nvSpPr>
-        <p:spPr>
-          <a:xfrm>
-            <a:off x="3253606" y="1363725"/>
-            <a:ext cx="571888" cy="307777"/>
-          </a:xfrm>
-          <a:prstGeom prst="rect">
-            <a:avLst/>
-          </a:prstGeom>
-          <a:noFill/>
-        </p:spPr>
-        <p:txBody>
-          <a:bodyPr wrap="none" rtlCol="0">
-            <a:spAutoFit/>
-          </a:bodyPr>
-          <a:lstStyle/>
-          <a:p>
-            <a:r>
-              <a:rPr lang="en-DE" sz="1400" dirty="0">
-                <a:solidFill>
-                  <a:srgbClr val="0070C0"/>
-                </a:solidFill>
-              </a:rPr>
-              <a:t>owns</a:t>
-            </a:r>
-          </a:p>
-        </p:txBody>
-      </p:sp>
-      <p:cxnSp>
-        <p:nvCxnSpPr>
-          <p:cNvPr id="108" name="Straight Arrow Connector 107">
-            <a:extLst>
-              <a:ext uri="{FF2B5EF4-FFF2-40B4-BE49-F238E27FC236}">
-                <a16:creationId xmlns:a16="http://schemas.microsoft.com/office/drawing/2014/main" id="{2A7A4B00-88A0-B648-E3DD-80D5280A6607}"/>
-              </a:ext>
-            </a:extLst>
-          </p:cNvPr>
-          <p:cNvCxnSpPr>
-            <a:cxnSpLocks/>
-            <a:stCxn id="103" idx="2"/>
-          </p:cNvCxnSpPr>
-          <p:nvPr/>
-        </p:nvCxnSpPr>
-        <p:spPr>
-          <a:xfrm flipH="1">
-            <a:off x="1237353" y="2286014"/>
-            <a:ext cx="1081395" cy="1439996"/>
-          </a:xfrm>
-          <a:prstGeom prst="straightConnector1">
-            <a:avLst/>
-          </a:prstGeom>
-          <a:ln>
-            <a:tailEnd type="triangle"/>
-          </a:ln>
-        </p:spPr>
-        <p:style>
-          <a:lnRef idx="1">
-            <a:schemeClr val="accent6"/>
-          </a:lnRef>
-          <a:fillRef idx="0">
-            <a:schemeClr val="accent6"/>
-          </a:fillRef>
-          <a:effectRef idx="0">
-            <a:schemeClr val="accent6"/>
-          </a:effectRef>
-          <a:fontRef idx="minor">
-            <a:schemeClr val="tx1"/>
-          </a:fontRef>
-        </p:style>
-      </p:cxnSp>
-      <p:sp>
-        <p:nvSpPr>
-          <p:cNvPr id="111" name="TextBox 110">
-            <a:extLst>
-              <a:ext uri="{FF2B5EF4-FFF2-40B4-BE49-F238E27FC236}">
-                <a16:creationId xmlns:a16="http://schemas.microsoft.com/office/drawing/2014/main" id="{DFA9A2ED-EDEB-B382-4C54-B3353CCEA763}"/>
-              </a:ext>
-            </a:extLst>
-          </p:cNvPr>
-          <p:cNvSpPr txBox="1"/>
-          <p:nvPr/>
-        </p:nvSpPr>
-        <p:spPr>
-          <a:xfrm>
-            <a:off x="1225991" y="2438722"/>
-            <a:ext cx="570990" cy="307777"/>
-          </a:xfrm>
-          <a:prstGeom prst="rect">
-            <a:avLst/>
-          </a:prstGeom>
-          <a:noFill/>
-        </p:spPr>
-        <p:txBody>
-          <a:bodyPr wrap="none" rtlCol="0">
-            <a:spAutoFit/>
-          </a:bodyPr>
-          <a:lstStyle/>
-          <a:p>
-            <a:r>
-              <a:rPr lang="de-DE" sz="1400" dirty="0" err="1">
-                <a:solidFill>
-                  <a:srgbClr val="92D050"/>
-                </a:solidFill>
-              </a:rPr>
-              <a:t>input</a:t>
-            </a:r>
-            <a:endParaRPr lang="en-DE" sz="1400" dirty="0">
-              <a:solidFill>
-                <a:srgbClr val="92D050"/>
-              </a:solidFill>
-            </a:endParaRPr>
-          </a:p>
-        </p:txBody>
-      </p:sp>
     </p:spTree>
     <p:extLst>
       <p:ext uri="{BB962C8B-B14F-4D97-AF65-F5344CB8AC3E}">
